--- a/postgresql.pptx
+++ b/postgresql.pptx
@@ -5,17 +5,19 @@
     <p:sldMasterId id="2147483648" r:id="rId1"/>
   </p:sldMasterIdLst>
   <p:notesMasterIdLst>
-    <p:notesMasterId r:id="rId5"/>
+    <p:notesMasterId r:id="rId7"/>
   </p:notesMasterIdLst>
   <p:sldIdLst>
     <p:sldId id="256" r:id="rId2"/>
     <p:sldId id="305" r:id="rId3"/>
     <p:sldId id="307" r:id="rId4"/>
+    <p:sldId id="308" r:id="rId5"/>
+    <p:sldId id="309" r:id="rId6"/>
   </p:sldIdLst>
   <p:sldSz cx="12192000" cy="6858000"/>
   <p:notesSz cx="6858000" cy="9144000"/>
   <p:custDataLst>
-    <p:tags r:id="rId6"/>
+    <p:tags r:id="rId8"/>
   </p:custDataLst>
   <p:defaultTextStyle>
     <a:defPPr>
@@ -114,7 +116,7 @@
   </p:defaultTextStyle>
   <p:extLst>
     <p:ext uri="{EFAFB233-063F-42B5-8137-9DF3F51BA10A}">
-      <p15:sldGuideLst xmlns:p15="http://schemas.microsoft.com/office/powerpoint/2012/main" xmlns="">
+      <p15:sldGuideLst xmlns:p15="http://schemas.microsoft.com/office/powerpoint/2012/main">
         <p15:guide id="1" orient="horz" pos="2160" userDrawn="1">
           <p15:clr>
             <a:srgbClr val="A4A3A4"/>
@@ -218,7 +220,7 @@
             <a:fld id="{05B1D5F9-199E-4B77-ACFB-0D659EE03F6C}" type="datetimeFigureOut">
               <a:rPr lang="zh-CN" altLang="en-US" smtClean="0"/>
               <a:pPr/>
-              <a:t>2018/5/27</a:t>
+              <a:t>2018/5/28</a:t>
             </a:fld>
             <a:endParaRPr lang="zh-CN" altLang="en-US"/>
           </a:p>
@@ -386,7 +388,7 @@
     </p:spTree>
     <p:extLst>
       <p:ext uri="{BB962C8B-B14F-4D97-AF65-F5344CB8AC3E}">
-        <p14:creationId xmlns:p14="http://schemas.microsoft.com/office/powerpoint/2010/main" xmlns="" val="4136795833"/>
+        <p14:creationId xmlns:p14="http://schemas.microsoft.com/office/powerpoint/2010/main" val="4136795833"/>
       </p:ext>
     </p:extLst>
   </p:cSld>
@@ -561,7 +563,7 @@
     </p:spTree>
     <p:extLst>
       <p:ext uri="{BB962C8B-B14F-4D97-AF65-F5344CB8AC3E}">
-        <p14:creationId xmlns:p14="http://schemas.microsoft.com/office/powerpoint/2010/main" xmlns="" val="2594768037"/>
+        <p14:creationId xmlns:p14="http://schemas.microsoft.com/office/powerpoint/2010/main" val="2594768037"/>
       </p:ext>
     </p:extLst>
   </p:cSld>
@@ -646,7 +648,7 @@
     </p:spTree>
     <p:extLst>
       <p:ext uri="{BB962C8B-B14F-4D97-AF65-F5344CB8AC3E}">
-        <p14:creationId xmlns:p14="http://schemas.microsoft.com/office/powerpoint/2010/main" xmlns="" val="2506518844"/>
+        <p14:creationId xmlns:p14="http://schemas.microsoft.com/office/powerpoint/2010/main" val="2506518844"/>
       </p:ext>
     </p:extLst>
   </p:cSld>
@@ -731,7 +733,177 @@
     </p:spTree>
     <p:extLst>
       <p:ext uri="{BB962C8B-B14F-4D97-AF65-F5344CB8AC3E}">
-        <p14:creationId xmlns:p14="http://schemas.microsoft.com/office/powerpoint/2010/main" xmlns="" val="2506518844"/>
+        <p14:creationId xmlns:p14="http://schemas.microsoft.com/office/powerpoint/2010/main" val="2506518844"/>
+      </p:ext>
+    </p:extLst>
+  </p:cSld>
+  <p:clrMapOvr>
+    <a:masterClrMapping/>
+  </p:clrMapOvr>
+</p:notes>
+</file>
+
+<file path=ppt/notesSlides/notesSlide4.xml><?xml version="1.0" encoding="utf-8"?>
+<p:notes xmlns:a="http://schemas.openxmlformats.org/drawingml/2006/main" xmlns:r="http://schemas.openxmlformats.org/officeDocument/2006/relationships" xmlns:p="http://schemas.openxmlformats.org/presentationml/2006/main">
+  <p:cSld>
+    <p:spTree>
+      <p:nvGrpSpPr>
+        <p:cNvPr id="1" name=""/>
+        <p:cNvGrpSpPr/>
+        <p:nvPr/>
+      </p:nvGrpSpPr>
+      <p:grpSpPr>
+        <a:xfrm>
+          <a:off x="0" y="0"/>
+          <a:ext cx="0" cy="0"/>
+          <a:chOff x="0" y="0"/>
+          <a:chExt cx="0" cy="0"/>
+        </a:xfrm>
+      </p:grpSpPr>
+      <p:sp>
+        <p:nvSpPr>
+          <p:cNvPr id="2" name="幻灯片图像占位符 1"/>
+          <p:cNvSpPr>
+            <a:spLocks noGrp="1" noRot="1" noChangeAspect="1"/>
+          </p:cNvSpPr>
+          <p:nvPr>
+            <p:ph type="sldImg"/>
+          </p:nvPr>
+        </p:nvSpPr>
+        <p:spPr/>
+      </p:sp>
+      <p:sp>
+        <p:nvSpPr>
+          <p:cNvPr id="3" name="备注占位符 2"/>
+          <p:cNvSpPr>
+            <a:spLocks noGrp="1"/>
+          </p:cNvSpPr>
+          <p:nvPr>
+            <p:ph type="body" idx="1"/>
+          </p:nvPr>
+        </p:nvSpPr>
+        <p:spPr/>
+        <p:txBody>
+          <a:bodyPr/>
+          <a:lstStyle/>
+          <a:p>
+            <a:endParaRPr lang="zh-CN" altLang="en-US"/>
+          </a:p>
+        </p:txBody>
+      </p:sp>
+      <p:sp>
+        <p:nvSpPr>
+          <p:cNvPr id="4" name="灯片编号占位符 3"/>
+          <p:cNvSpPr>
+            <a:spLocks noGrp="1"/>
+          </p:cNvSpPr>
+          <p:nvPr>
+            <p:ph type="sldNum" sz="quarter" idx="10"/>
+          </p:nvPr>
+        </p:nvSpPr>
+        <p:spPr/>
+        <p:txBody>
+          <a:bodyPr/>
+          <a:lstStyle/>
+          <a:p>
+            <a:fld id="{22553725-671C-4999-8D68-861E5DC01BD8}" type="slidenum">
+              <a:rPr lang="zh-CN" altLang="en-US" smtClean="0"/>
+              <a:pPr/>
+              <a:t>4</a:t>
+            </a:fld>
+            <a:endParaRPr lang="zh-CN" altLang="en-US"/>
+          </a:p>
+        </p:txBody>
+      </p:sp>
+    </p:spTree>
+    <p:extLst>
+      <p:ext uri="{BB962C8B-B14F-4D97-AF65-F5344CB8AC3E}">
+        <p14:creationId xmlns:p14="http://schemas.microsoft.com/office/powerpoint/2010/main" val="2275789486"/>
+      </p:ext>
+    </p:extLst>
+  </p:cSld>
+  <p:clrMapOvr>
+    <a:masterClrMapping/>
+  </p:clrMapOvr>
+</p:notes>
+</file>
+
+<file path=ppt/notesSlides/notesSlide5.xml><?xml version="1.0" encoding="utf-8"?>
+<p:notes xmlns:a="http://schemas.openxmlformats.org/drawingml/2006/main" xmlns:r="http://schemas.openxmlformats.org/officeDocument/2006/relationships" xmlns:p="http://schemas.openxmlformats.org/presentationml/2006/main">
+  <p:cSld>
+    <p:spTree>
+      <p:nvGrpSpPr>
+        <p:cNvPr id="1" name=""/>
+        <p:cNvGrpSpPr/>
+        <p:nvPr/>
+      </p:nvGrpSpPr>
+      <p:grpSpPr>
+        <a:xfrm>
+          <a:off x="0" y="0"/>
+          <a:ext cx="0" cy="0"/>
+          <a:chOff x="0" y="0"/>
+          <a:chExt cx="0" cy="0"/>
+        </a:xfrm>
+      </p:grpSpPr>
+      <p:sp>
+        <p:nvSpPr>
+          <p:cNvPr id="2" name="幻灯片图像占位符 1"/>
+          <p:cNvSpPr>
+            <a:spLocks noGrp="1" noRot="1" noChangeAspect="1"/>
+          </p:cNvSpPr>
+          <p:nvPr>
+            <p:ph type="sldImg"/>
+          </p:nvPr>
+        </p:nvSpPr>
+        <p:spPr/>
+      </p:sp>
+      <p:sp>
+        <p:nvSpPr>
+          <p:cNvPr id="3" name="备注占位符 2"/>
+          <p:cNvSpPr>
+            <a:spLocks noGrp="1"/>
+          </p:cNvSpPr>
+          <p:nvPr>
+            <p:ph type="body" idx="1"/>
+          </p:nvPr>
+        </p:nvSpPr>
+        <p:spPr/>
+        <p:txBody>
+          <a:bodyPr/>
+          <a:lstStyle/>
+          <a:p>
+            <a:endParaRPr lang="zh-CN" altLang="en-US"/>
+          </a:p>
+        </p:txBody>
+      </p:sp>
+      <p:sp>
+        <p:nvSpPr>
+          <p:cNvPr id="4" name="灯片编号占位符 3"/>
+          <p:cNvSpPr>
+            <a:spLocks noGrp="1"/>
+          </p:cNvSpPr>
+          <p:nvPr>
+            <p:ph type="sldNum" sz="quarter" idx="10"/>
+          </p:nvPr>
+        </p:nvSpPr>
+        <p:spPr/>
+        <p:txBody>
+          <a:bodyPr/>
+          <a:lstStyle/>
+          <a:p>
+            <a:fld id="{22553725-671C-4999-8D68-861E5DC01BD8}" type="slidenum">
+              <a:rPr lang="zh-CN" altLang="en-US" smtClean="0"/>
+              <a:pPr/>
+              <a:t>5</a:t>
+            </a:fld>
+            <a:endParaRPr lang="zh-CN" altLang="en-US"/>
+          </a:p>
+        </p:txBody>
+      </p:sp>
+    </p:spTree>
+    <p:extLst>
+      <p:ext uri="{BB962C8B-B14F-4D97-AF65-F5344CB8AC3E}">
+        <p14:creationId xmlns:p14="http://schemas.microsoft.com/office/powerpoint/2010/main" val="886899015"/>
       </p:ext>
     </p:extLst>
   </p:cSld>
@@ -871,7 +1043,7 @@
             <a:fld id="{91AD7F68-8E1B-45E2-8A27-5D5DEAAB1BF2}" type="datetimeFigureOut">
               <a:rPr lang="zh-CN" altLang="en-US" smtClean="0"/>
               <a:pPr/>
-              <a:t>2018/5/27</a:t>
+              <a:t>2018/5/28</a:t>
             </a:fld>
             <a:endParaRPr lang="zh-CN" altLang="en-US"/>
           </a:p>
@@ -923,20 +1095,20 @@
     </p:spTree>
     <p:extLst>
       <p:ext uri="{BB962C8B-B14F-4D97-AF65-F5344CB8AC3E}">
-        <p14:creationId xmlns:p14="http://schemas.microsoft.com/office/powerpoint/2010/main" xmlns="" val="3379505774"/>
+        <p14:creationId xmlns:p14="http://schemas.microsoft.com/office/powerpoint/2010/main" val="3379505774"/>
       </p:ext>
     </p:extLst>
   </p:cSld>
   <p:clrMapOvr>
     <a:masterClrMapping/>
   </p:clrMapOvr>
-  <mc:AlternateContent xmlns:mc="http://schemas.openxmlformats.org/markup-compatibility/2006">
-    <mc:Choice xmlns:p14="http://schemas.microsoft.com/office/powerpoint/2010/main" xmlns="" Requires="p14">
+  <mc:AlternateContent xmlns:mc="http://schemas.openxmlformats.org/markup-compatibility/2006" xmlns:p14="http://schemas.microsoft.com/office/powerpoint/2010/main">
+    <mc:Choice Requires="p14">
       <p:transition spd="slow" p14:dur="1500" advClick="0" advTm="0">
         <p:random/>
       </p:transition>
     </mc:Choice>
-    <mc:Fallback>
+    <mc:Fallback xmlns="">
       <p:transition spd="slow" advClick="0" advTm="0">
         <p:random/>
       </p:transition>
@@ -1053,7 +1225,7 @@
             <a:fld id="{91AD7F68-8E1B-45E2-8A27-5D5DEAAB1BF2}" type="datetimeFigureOut">
               <a:rPr lang="zh-CN" altLang="en-US" smtClean="0"/>
               <a:pPr/>
-              <a:t>2018/5/27</a:t>
+              <a:t>2018/5/28</a:t>
             </a:fld>
             <a:endParaRPr lang="zh-CN" altLang="en-US"/>
           </a:p>
@@ -1105,20 +1277,20 @@
     </p:spTree>
     <p:extLst>
       <p:ext uri="{BB962C8B-B14F-4D97-AF65-F5344CB8AC3E}">
-        <p14:creationId xmlns:p14="http://schemas.microsoft.com/office/powerpoint/2010/main" xmlns="" val="4292131042"/>
+        <p14:creationId xmlns:p14="http://schemas.microsoft.com/office/powerpoint/2010/main" val="4292131042"/>
       </p:ext>
     </p:extLst>
   </p:cSld>
   <p:clrMapOvr>
     <a:masterClrMapping/>
   </p:clrMapOvr>
-  <mc:AlternateContent xmlns:mc="http://schemas.openxmlformats.org/markup-compatibility/2006">
-    <mc:Choice xmlns:p14="http://schemas.microsoft.com/office/powerpoint/2010/main" xmlns="" Requires="p14">
+  <mc:AlternateContent xmlns:mc="http://schemas.openxmlformats.org/markup-compatibility/2006" xmlns:p14="http://schemas.microsoft.com/office/powerpoint/2010/main">
+    <mc:Choice Requires="p14">
       <p:transition spd="slow" p14:dur="1500" advClick="0" advTm="0">
         <p:random/>
       </p:transition>
     </mc:Choice>
-    <mc:Fallback>
+    <mc:Fallback xmlns="">
       <p:transition spd="slow" advClick="0" advTm="0">
         <p:random/>
       </p:transition>
@@ -1245,7 +1417,7 @@
             <a:fld id="{91AD7F68-8E1B-45E2-8A27-5D5DEAAB1BF2}" type="datetimeFigureOut">
               <a:rPr lang="zh-CN" altLang="en-US" smtClean="0"/>
               <a:pPr/>
-              <a:t>2018/5/27</a:t>
+              <a:t>2018/5/28</a:t>
             </a:fld>
             <a:endParaRPr lang="zh-CN" altLang="en-US"/>
           </a:p>
@@ -1297,20 +1469,20 @@
     </p:spTree>
     <p:extLst>
       <p:ext uri="{BB962C8B-B14F-4D97-AF65-F5344CB8AC3E}">
-        <p14:creationId xmlns:p14="http://schemas.microsoft.com/office/powerpoint/2010/main" xmlns="" val="1952128637"/>
+        <p14:creationId xmlns:p14="http://schemas.microsoft.com/office/powerpoint/2010/main" val="1952128637"/>
       </p:ext>
     </p:extLst>
   </p:cSld>
   <p:clrMapOvr>
     <a:masterClrMapping/>
   </p:clrMapOvr>
-  <mc:AlternateContent xmlns:mc="http://schemas.openxmlformats.org/markup-compatibility/2006">
-    <mc:Choice xmlns:p14="http://schemas.microsoft.com/office/powerpoint/2010/main" xmlns="" Requires="p14">
+  <mc:AlternateContent xmlns:mc="http://schemas.openxmlformats.org/markup-compatibility/2006" xmlns:p14="http://schemas.microsoft.com/office/powerpoint/2010/main">
+    <mc:Choice Requires="p14">
       <p:transition spd="slow" p14:dur="1500" advClick="0" advTm="0">
         <p:random/>
       </p:transition>
     </mc:Choice>
-    <mc:Fallback>
+    <mc:Fallback xmlns="">
       <p:transition spd="slow" advClick="0" advTm="0">
         <p:random/>
       </p:transition>
@@ -1427,7 +1599,7 @@
             <a:fld id="{91AD7F68-8E1B-45E2-8A27-5D5DEAAB1BF2}" type="datetimeFigureOut">
               <a:rPr lang="zh-CN" altLang="en-US" smtClean="0"/>
               <a:pPr/>
-              <a:t>2018/5/27</a:t>
+              <a:t>2018/5/28</a:t>
             </a:fld>
             <a:endParaRPr lang="zh-CN" altLang="en-US"/>
           </a:p>
@@ -1479,20 +1651,20 @@
     </p:spTree>
     <p:extLst>
       <p:ext uri="{BB962C8B-B14F-4D97-AF65-F5344CB8AC3E}">
-        <p14:creationId xmlns:p14="http://schemas.microsoft.com/office/powerpoint/2010/main" xmlns="" val="4173798514"/>
+        <p14:creationId xmlns:p14="http://schemas.microsoft.com/office/powerpoint/2010/main" val="4173798514"/>
       </p:ext>
     </p:extLst>
   </p:cSld>
   <p:clrMapOvr>
     <a:masterClrMapping/>
   </p:clrMapOvr>
-  <mc:AlternateContent xmlns:mc="http://schemas.openxmlformats.org/markup-compatibility/2006">
-    <mc:Choice xmlns:p14="http://schemas.microsoft.com/office/powerpoint/2010/main" xmlns="" Requires="p14">
+  <mc:AlternateContent xmlns:mc="http://schemas.openxmlformats.org/markup-compatibility/2006" xmlns:p14="http://schemas.microsoft.com/office/powerpoint/2010/main">
+    <mc:Choice Requires="p14">
       <p:transition spd="slow" p14:dur="1500" advClick="0" advTm="0">
         <p:random/>
       </p:transition>
     </mc:Choice>
-    <mc:Fallback>
+    <mc:Fallback xmlns="">
       <p:transition spd="slow" advClick="0" advTm="0">
         <p:random/>
       </p:transition>
@@ -1686,7 +1858,7 @@
             <a:fld id="{91AD7F68-8E1B-45E2-8A27-5D5DEAAB1BF2}" type="datetimeFigureOut">
               <a:rPr lang="zh-CN" altLang="en-US" smtClean="0"/>
               <a:pPr/>
-              <a:t>2018/5/27</a:t>
+              <a:t>2018/5/28</a:t>
             </a:fld>
             <a:endParaRPr lang="zh-CN" altLang="en-US"/>
           </a:p>
@@ -1738,20 +1910,20 @@
     </p:spTree>
     <p:extLst>
       <p:ext uri="{BB962C8B-B14F-4D97-AF65-F5344CB8AC3E}">
-        <p14:creationId xmlns:p14="http://schemas.microsoft.com/office/powerpoint/2010/main" xmlns="" val="2343028950"/>
+        <p14:creationId xmlns:p14="http://schemas.microsoft.com/office/powerpoint/2010/main" val="2343028950"/>
       </p:ext>
     </p:extLst>
   </p:cSld>
   <p:clrMapOvr>
     <a:masterClrMapping/>
   </p:clrMapOvr>
-  <mc:AlternateContent xmlns:mc="http://schemas.openxmlformats.org/markup-compatibility/2006">
-    <mc:Choice xmlns:p14="http://schemas.microsoft.com/office/powerpoint/2010/main" xmlns="" Requires="p14">
+  <mc:AlternateContent xmlns:mc="http://schemas.openxmlformats.org/markup-compatibility/2006" xmlns:p14="http://schemas.microsoft.com/office/powerpoint/2010/main">
+    <mc:Choice Requires="p14">
       <p:transition spd="slow" p14:dur="1500" advClick="0" advTm="0">
         <p:random/>
       </p:transition>
     </mc:Choice>
-    <mc:Fallback>
+    <mc:Fallback xmlns="">
       <p:transition spd="slow" advClick="0" advTm="0">
         <p:random/>
       </p:transition>
@@ -1929,7 +2101,7 @@
             <a:fld id="{91AD7F68-8E1B-45E2-8A27-5D5DEAAB1BF2}" type="datetimeFigureOut">
               <a:rPr lang="zh-CN" altLang="en-US" smtClean="0"/>
               <a:pPr/>
-              <a:t>2018/5/27</a:t>
+              <a:t>2018/5/28</a:t>
             </a:fld>
             <a:endParaRPr lang="zh-CN" altLang="en-US"/>
           </a:p>
@@ -1981,20 +2153,20 @@
     </p:spTree>
     <p:extLst>
       <p:ext uri="{BB962C8B-B14F-4D97-AF65-F5344CB8AC3E}">
-        <p14:creationId xmlns:p14="http://schemas.microsoft.com/office/powerpoint/2010/main" xmlns="" val="1951757828"/>
+        <p14:creationId xmlns:p14="http://schemas.microsoft.com/office/powerpoint/2010/main" val="1951757828"/>
       </p:ext>
     </p:extLst>
   </p:cSld>
   <p:clrMapOvr>
     <a:masterClrMapping/>
   </p:clrMapOvr>
-  <mc:AlternateContent xmlns:mc="http://schemas.openxmlformats.org/markup-compatibility/2006">
-    <mc:Choice xmlns:p14="http://schemas.microsoft.com/office/powerpoint/2010/main" xmlns="" Requires="p14">
+  <mc:AlternateContent xmlns:mc="http://schemas.openxmlformats.org/markup-compatibility/2006" xmlns:p14="http://schemas.microsoft.com/office/powerpoint/2010/main">
+    <mc:Choice Requires="p14">
       <p:transition spd="slow" p14:dur="1500" advClick="0" advTm="0">
         <p:random/>
       </p:transition>
     </mc:Choice>
-    <mc:Fallback>
+    <mc:Fallback xmlns="">
       <p:transition spd="slow" advClick="0" advTm="0">
         <p:random/>
       </p:transition>
@@ -2307,7 +2479,7 @@
             <a:fld id="{91AD7F68-8E1B-45E2-8A27-5D5DEAAB1BF2}" type="datetimeFigureOut">
               <a:rPr lang="zh-CN" altLang="en-US" smtClean="0"/>
               <a:pPr/>
-              <a:t>2018/5/27</a:t>
+              <a:t>2018/5/28</a:t>
             </a:fld>
             <a:endParaRPr lang="zh-CN" altLang="en-US"/>
           </a:p>
@@ -2359,20 +2531,20 @@
     </p:spTree>
     <p:extLst>
       <p:ext uri="{BB962C8B-B14F-4D97-AF65-F5344CB8AC3E}">
-        <p14:creationId xmlns:p14="http://schemas.microsoft.com/office/powerpoint/2010/main" xmlns="" val="3785743930"/>
+        <p14:creationId xmlns:p14="http://schemas.microsoft.com/office/powerpoint/2010/main" val="3785743930"/>
       </p:ext>
     </p:extLst>
   </p:cSld>
   <p:clrMapOvr>
     <a:masterClrMapping/>
   </p:clrMapOvr>
-  <mc:AlternateContent xmlns:mc="http://schemas.openxmlformats.org/markup-compatibility/2006">
-    <mc:Choice xmlns:p14="http://schemas.microsoft.com/office/powerpoint/2010/main" xmlns="" Requires="p14">
+  <mc:AlternateContent xmlns:mc="http://schemas.openxmlformats.org/markup-compatibility/2006" xmlns:p14="http://schemas.microsoft.com/office/powerpoint/2010/main">
+    <mc:Choice Requires="p14">
       <p:transition spd="slow" p14:dur="1500" advClick="0" advTm="0">
         <p:random/>
       </p:transition>
     </mc:Choice>
-    <mc:Fallback>
+    <mc:Fallback xmlns="">
       <p:transition spd="slow" advClick="0" advTm="0">
         <p:random/>
       </p:transition>
@@ -2438,7 +2610,7 @@
             <a:fld id="{91AD7F68-8E1B-45E2-8A27-5D5DEAAB1BF2}" type="datetimeFigureOut">
               <a:rPr lang="zh-CN" altLang="en-US" smtClean="0"/>
               <a:pPr/>
-              <a:t>2018/5/27</a:t>
+              <a:t>2018/5/28</a:t>
             </a:fld>
             <a:endParaRPr lang="zh-CN" altLang="en-US"/>
           </a:p>
@@ -2490,20 +2662,20 @@
     </p:spTree>
     <p:extLst>
       <p:ext uri="{BB962C8B-B14F-4D97-AF65-F5344CB8AC3E}">
-        <p14:creationId xmlns:p14="http://schemas.microsoft.com/office/powerpoint/2010/main" xmlns="" val="1272998583"/>
+        <p14:creationId xmlns:p14="http://schemas.microsoft.com/office/powerpoint/2010/main" val="1272998583"/>
       </p:ext>
     </p:extLst>
   </p:cSld>
   <p:clrMapOvr>
     <a:masterClrMapping/>
   </p:clrMapOvr>
-  <mc:AlternateContent xmlns:mc="http://schemas.openxmlformats.org/markup-compatibility/2006">
-    <mc:Choice xmlns:p14="http://schemas.microsoft.com/office/powerpoint/2010/main" xmlns="" Requires="p14">
+  <mc:AlternateContent xmlns:mc="http://schemas.openxmlformats.org/markup-compatibility/2006" xmlns:p14="http://schemas.microsoft.com/office/powerpoint/2010/main">
+    <mc:Choice Requires="p14">
       <p:transition spd="slow" p14:dur="1500" advClick="0" advTm="0">
         <p:random/>
       </p:transition>
     </mc:Choice>
-    <mc:Fallback>
+    <mc:Fallback xmlns="">
       <p:transition spd="slow" advClick="0" advTm="0">
         <p:random/>
       </p:transition>
@@ -2547,7 +2719,7 @@
             <a:fld id="{91AD7F68-8E1B-45E2-8A27-5D5DEAAB1BF2}" type="datetimeFigureOut">
               <a:rPr lang="zh-CN" altLang="en-US" smtClean="0"/>
               <a:pPr/>
-              <a:t>2018/5/27</a:t>
+              <a:t>2018/5/28</a:t>
             </a:fld>
             <a:endParaRPr lang="zh-CN" altLang="en-US"/>
           </a:p>
@@ -2599,20 +2771,20 @@
     </p:spTree>
     <p:extLst>
       <p:ext uri="{BB962C8B-B14F-4D97-AF65-F5344CB8AC3E}">
-        <p14:creationId xmlns:p14="http://schemas.microsoft.com/office/powerpoint/2010/main" xmlns="" val="2103091704"/>
+        <p14:creationId xmlns:p14="http://schemas.microsoft.com/office/powerpoint/2010/main" val="2103091704"/>
       </p:ext>
     </p:extLst>
   </p:cSld>
   <p:clrMapOvr>
     <a:masterClrMapping/>
   </p:clrMapOvr>
-  <mc:AlternateContent xmlns:mc="http://schemas.openxmlformats.org/markup-compatibility/2006">
-    <mc:Choice xmlns:p14="http://schemas.microsoft.com/office/powerpoint/2010/main" xmlns="" Requires="p14">
+  <mc:AlternateContent xmlns:mc="http://schemas.openxmlformats.org/markup-compatibility/2006" xmlns:p14="http://schemas.microsoft.com/office/powerpoint/2010/main">
+    <mc:Choice Requires="p14">
       <p:transition spd="slow" p14:dur="1500" advClick="0" advTm="0">
         <p:random/>
       </p:transition>
     </mc:Choice>
-    <mc:Fallback>
+    <mc:Fallback xmlns="">
       <p:transition spd="slow" advClick="0" advTm="0">
         <p:random/>
       </p:transition>
@@ -2836,7 +3008,7 @@
             <a:fld id="{91AD7F68-8E1B-45E2-8A27-5D5DEAAB1BF2}" type="datetimeFigureOut">
               <a:rPr lang="zh-CN" altLang="en-US" smtClean="0"/>
               <a:pPr/>
-              <a:t>2018/5/27</a:t>
+              <a:t>2018/5/28</a:t>
             </a:fld>
             <a:endParaRPr lang="zh-CN" altLang="en-US"/>
           </a:p>
@@ -2888,20 +3060,20 @@
     </p:spTree>
     <p:extLst>
       <p:ext uri="{BB962C8B-B14F-4D97-AF65-F5344CB8AC3E}">
-        <p14:creationId xmlns:p14="http://schemas.microsoft.com/office/powerpoint/2010/main" xmlns="" val="2275436477"/>
+        <p14:creationId xmlns:p14="http://schemas.microsoft.com/office/powerpoint/2010/main" val="2275436477"/>
       </p:ext>
     </p:extLst>
   </p:cSld>
   <p:clrMapOvr>
     <a:masterClrMapping/>
   </p:clrMapOvr>
-  <mc:AlternateContent xmlns:mc="http://schemas.openxmlformats.org/markup-compatibility/2006">
-    <mc:Choice xmlns:p14="http://schemas.microsoft.com/office/powerpoint/2010/main" xmlns="" Requires="p14">
+  <mc:AlternateContent xmlns:mc="http://schemas.openxmlformats.org/markup-compatibility/2006" xmlns:p14="http://schemas.microsoft.com/office/powerpoint/2010/main">
+    <mc:Choice Requires="p14">
       <p:transition spd="slow" p14:dur="1500" advClick="0" advTm="0">
         <p:random/>
       </p:transition>
     </mc:Choice>
-    <mc:Fallback>
+    <mc:Fallback xmlns="">
       <p:transition spd="slow" advClick="0" advTm="0">
         <p:random/>
       </p:transition>
@@ -3102,7 +3274,7 @@
             <a:fld id="{91AD7F68-8E1B-45E2-8A27-5D5DEAAB1BF2}" type="datetimeFigureOut">
               <a:rPr lang="zh-CN" altLang="en-US" smtClean="0"/>
               <a:pPr/>
-              <a:t>2018/5/27</a:t>
+              <a:t>2018/5/28</a:t>
             </a:fld>
             <a:endParaRPr lang="zh-CN" altLang="en-US"/>
           </a:p>
@@ -3154,20 +3326,20 @@
     </p:spTree>
     <p:extLst>
       <p:ext uri="{BB962C8B-B14F-4D97-AF65-F5344CB8AC3E}">
-        <p14:creationId xmlns:p14="http://schemas.microsoft.com/office/powerpoint/2010/main" xmlns="" val="2724821356"/>
+        <p14:creationId xmlns:p14="http://schemas.microsoft.com/office/powerpoint/2010/main" val="2724821356"/>
       </p:ext>
     </p:extLst>
   </p:cSld>
   <p:clrMapOvr>
     <a:masterClrMapping/>
   </p:clrMapOvr>
-  <mc:AlternateContent xmlns:mc="http://schemas.openxmlformats.org/markup-compatibility/2006">
-    <mc:Choice xmlns:p14="http://schemas.microsoft.com/office/powerpoint/2010/main" xmlns="" Requires="p14">
+  <mc:AlternateContent xmlns:mc="http://schemas.openxmlformats.org/markup-compatibility/2006" xmlns:p14="http://schemas.microsoft.com/office/powerpoint/2010/main">
+    <mc:Choice Requires="p14">
       <p:transition spd="slow" p14:dur="1500" advClick="0" advTm="0">
         <p:random/>
       </p:transition>
     </mc:Choice>
-    <mc:Fallback>
+    <mc:Fallback xmlns="">
       <p:transition spd="slow" advClick="0" advTm="0">
         <p:random/>
       </p:transition>
@@ -3327,7 +3499,7 @@
             <a:fld id="{91AD7F68-8E1B-45E2-8A27-5D5DEAAB1BF2}" type="datetimeFigureOut">
               <a:rPr lang="zh-CN" altLang="en-US" smtClean="0"/>
               <a:pPr/>
-              <a:t>2018/5/27</a:t>
+              <a:t>2018/5/28</a:t>
             </a:fld>
             <a:endParaRPr lang="zh-CN" altLang="en-US"/>
           </a:p>
@@ -3415,7 +3587,7 @@
     </p:spTree>
     <p:extLst>
       <p:ext uri="{BB962C8B-B14F-4D97-AF65-F5344CB8AC3E}">
-        <p14:creationId xmlns:p14="http://schemas.microsoft.com/office/powerpoint/2010/main" xmlns="" val="666783823"/>
+        <p14:creationId xmlns:p14="http://schemas.microsoft.com/office/powerpoint/2010/main" val="666783823"/>
       </p:ext>
     </p:extLst>
   </p:cSld>
@@ -3433,13 +3605,13 @@
     <p:sldLayoutId id="2147483658" r:id="rId10"/>
     <p:sldLayoutId id="2147483659" r:id="rId11"/>
   </p:sldLayoutIdLst>
-  <mc:AlternateContent xmlns:mc="http://schemas.openxmlformats.org/markup-compatibility/2006">
-    <mc:Choice xmlns:p14="http://schemas.microsoft.com/office/powerpoint/2010/main" xmlns="" Requires="p14">
+  <mc:AlternateContent xmlns:mc="http://schemas.openxmlformats.org/markup-compatibility/2006" xmlns:p14="http://schemas.microsoft.com/office/powerpoint/2010/main">
+    <mc:Choice Requires="p14">
       <p:transition spd="slow" p14:dur="1500" advClick="0" advTm="0">
         <p:random/>
       </p:transition>
     </mc:Choice>
-    <mc:Fallback>
+    <mc:Fallback xmlns="">
       <p:transition spd="slow" advClick="0" advTm="0">
         <p:random/>
       </p:transition>
@@ -3757,7 +3929,7 @@
           <a:blip r:embed="rId3" cstate="print">
             <a:extLst>
               <a:ext uri="{28A0092B-C50C-407E-A947-70E740481C1C}">
-                <a14:useLocalDpi xmlns:a14="http://schemas.microsoft.com/office/drawing/2010/main" xmlns=""/>
+                <a14:useLocalDpi xmlns:a14="http://schemas.microsoft.com/office/drawing/2010/main"/>
               </a:ext>
             </a:extLst>
           </a:blip>
@@ -9331,7 +9503,7 @@
           <p:cNvPr id="9" name="TextBox 8">
             <a:extLst>
               <a:ext uri="{FF2B5EF4-FFF2-40B4-BE49-F238E27FC236}">
-                <a16:creationId xmlns:a16="http://schemas.microsoft.com/office/drawing/2014/main" xmlns="" id="{73C77ED2-C357-47B7-8381-585C44BF2B89}"/>
+                <a16:creationId xmlns:a16="http://schemas.microsoft.com/office/drawing/2014/main" id="{73C77ED2-C357-47B7-8381-585C44BF2B89}"/>
               </a:ext>
             </a:extLst>
           </p:cNvPr>
@@ -9340,8 +9512,8 @@
         </p:nvSpPr>
         <p:spPr>
           <a:xfrm>
-            <a:off x="4207658" y="1868418"/>
-            <a:ext cx="3570208" cy="1446550"/>
+            <a:off x="3113611" y="1868418"/>
+            <a:ext cx="5758307" cy="2800767"/>
           </a:xfrm>
           <a:prstGeom prst="rect">
             <a:avLst/>
@@ -9356,16 +9528,16 @@
           <a:p>
             <a:pPr algn="ctr"/>
             <a:r>
-              <a:rPr lang="en-US" altLang="zh-CN" sz="8800" dirty="0" err="1" smtClean="0">
+              <a:rPr lang="en-US" altLang="zh-CN" sz="8800" dirty="0" err="1">
                 <a:solidFill>
                   <a:schemeClr val="bg1"/>
                 </a:solidFill>
                 <a:latin typeface="Aharoni" panose="02010803020104030203" pitchFamily="2" charset="-79"/>
                 <a:cs typeface="Aharoni" panose="02010803020104030203" pitchFamily="2" charset="-79"/>
               </a:rPr>
-              <a:t>Gitlab</a:t>
-            </a:r>
-            <a:endParaRPr lang="en-US" altLang="zh-CN" sz="8800" dirty="0" smtClean="0">
+              <a:t>Postgresql</a:t>
+            </a:r>
+            <a:endParaRPr lang="en-US" altLang="zh-CN" sz="8800" dirty="0">
               <a:solidFill>
                 <a:schemeClr val="bg1"/>
               </a:solidFill>
@@ -9373,25 +9545,38 @@
               <a:cs typeface="Aharoni" panose="02010803020104030203" pitchFamily="2" charset="-79"/>
             </a:endParaRPr>
           </a:p>
+          <a:p>
+            <a:pPr algn="ctr"/>
+            <a:r>
+              <a:rPr lang="en-US" altLang="zh-CN" sz="8800" dirty="0">
+                <a:solidFill>
+                  <a:schemeClr val="bg1"/>
+                </a:solidFill>
+                <a:latin typeface="Aharoni" panose="02010803020104030203" pitchFamily="2" charset="-79"/>
+                <a:cs typeface="Aharoni" panose="02010803020104030203" pitchFamily="2" charset="-79"/>
+              </a:rPr>
+              <a:t>10</a:t>
+            </a:r>
+          </a:p>
         </p:txBody>
       </p:sp>
     </p:spTree>
     <p:extLst>
       <p:ext uri="{BB962C8B-B14F-4D97-AF65-F5344CB8AC3E}">
-        <p14:creationId xmlns:p14="http://schemas.microsoft.com/office/powerpoint/2010/main" xmlns="" val="656483861"/>
+        <p14:creationId xmlns:p14="http://schemas.microsoft.com/office/powerpoint/2010/main" val="656483861"/>
       </p:ext>
     </p:extLst>
   </p:cSld>
   <p:clrMapOvr>
     <a:masterClrMapping/>
   </p:clrMapOvr>
-  <mc:AlternateContent xmlns:mc="http://schemas.openxmlformats.org/markup-compatibility/2006">
-    <mc:Choice xmlns:p14="http://schemas.microsoft.com/office/powerpoint/2010/main" xmlns="" Requires="p14">
+  <mc:AlternateContent xmlns:mc="http://schemas.openxmlformats.org/markup-compatibility/2006" xmlns:p14="http://schemas.microsoft.com/office/powerpoint/2010/main">
+    <mc:Choice Requires="p14">
       <p:transition spd="slow" p14:dur="1500">
         <p:random/>
       </p:transition>
     </mc:Choice>
-    <mc:Fallback>
+    <mc:Fallback xmlns="">
       <p:transition spd="slow">
         <p:random/>
       </p:transition>
@@ -9885,7 +10070,7 @@
           <a:p>
             <a:pPr marL="0" lvl="1"/>
             <a:r>
-              <a:rPr lang="en-US" altLang="zh-CN" sz="2800" spc="300" dirty="0" smtClean="0">
+              <a:rPr lang="en-US" altLang="zh-CN" sz="2800" spc="300" dirty="0">
                 <a:solidFill>
                   <a:srgbClr val="0D4960"/>
                 </a:solidFill>
@@ -10009,44 +10194,44 @@
           <a:lstStyle/>
           <a:p>
             <a:r>
-              <a:rPr lang="en-US" altLang="zh-CN" dirty="0" smtClean="0"/>
+              <a:rPr lang="en-US" altLang="zh-CN" dirty="0"/>
               <a:t>yum install postgresql10</a:t>
             </a:r>
           </a:p>
           <a:p>
             <a:r>
-              <a:rPr lang="en-US" altLang="zh-CN" dirty="0" smtClean="0"/>
+              <a:rPr lang="en-US" altLang="zh-CN" dirty="0"/>
               <a:t>yum install postgresql10-server</a:t>
             </a:r>
           </a:p>
           <a:p>
             <a:r>
-              <a:rPr lang="en-US" altLang="zh-CN" dirty="0" smtClean="0"/>
+              <a:rPr lang="en-US" altLang="zh-CN" dirty="0"/>
               <a:t>/user/pgsql-10/bin/postgresql-10-setup </a:t>
             </a:r>
             <a:r>
-              <a:rPr lang="en-US" altLang="zh-CN" dirty="0" err="1" smtClean="0"/>
+              <a:rPr lang="en-US" altLang="zh-CN" dirty="0" err="1"/>
               <a:t>initdb</a:t>
             </a:r>
-            <a:endParaRPr lang="en-US" altLang="zh-CN" dirty="0" smtClean="0"/>
-          </a:p>
-          <a:p>
-            <a:r>
-              <a:rPr lang="en-US" altLang="zh-CN" dirty="0" err="1" smtClean="0"/>
+            <a:endParaRPr lang="en-US" altLang="zh-CN" dirty="0"/>
+          </a:p>
+          <a:p>
+            <a:r>
+              <a:rPr lang="en-US" altLang="zh-CN" dirty="0" err="1"/>
               <a:t>systemctl</a:t>
             </a:r>
             <a:r>
-              <a:rPr lang="en-US" altLang="zh-CN" dirty="0" smtClean="0"/>
+              <a:rPr lang="en-US" altLang="zh-CN" dirty="0"/>
               <a:t> enable postgresql-10</a:t>
             </a:r>
           </a:p>
           <a:p>
             <a:r>
-              <a:rPr lang="en-US" altLang="zh-CN" dirty="0" err="1" smtClean="0"/>
+              <a:rPr lang="en-US" altLang="zh-CN" dirty="0" err="1"/>
               <a:t>systemctl</a:t>
             </a:r>
             <a:r>
-              <a:rPr lang="en-US" altLang="zh-CN" dirty="0" smtClean="0"/>
+              <a:rPr lang="en-US" altLang="zh-CN" dirty="0"/>
               <a:t> start postgresql-10</a:t>
             </a:r>
             <a:endParaRPr lang="zh-CN" altLang="en-US" dirty="0"/>
@@ -10061,7 +10246,7 @@
         </p:nvSpPr>
         <p:spPr>
           <a:xfrm>
-            <a:off x="1351128" y="3889612"/>
+            <a:off x="1220303" y="3605714"/>
             <a:ext cx="9621671" cy="1746914"/>
           </a:xfrm>
           <a:prstGeom prst="roundRect">
@@ -10100,7 +10285,7 @@
         </p:nvSpPr>
         <p:spPr>
           <a:xfrm>
-            <a:off x="1473958" y="3903260"/>
+            <a:off x="1343133" y="3619362"/>
             <a:ext cx="5014130" cy="1477328"/>
           </a:xfrm>
           <a:prstGeom prst="rect">
@@ -10115,7 +10300,7 @@
           <a:lstStyle/>
           <a:p>
             <a:r>
-              <a:rPr lang="en-US" altLang="zh-CN" dirty="0" err="1" smtClean="0">
+              <a:rPr lang="en-US" altLang="zh-CN" dirty="0" err="1">
                 <a:solidFill>
                   <a:schemeClr val="bg1"/>
                 </a:solidFill>
@@ -10123,7 +10308,7 @@
               <a:t>su</a:t>
             </a:r>
             <a:r>
-              <a:rPr lang="en-US" altLang="zh-CN" dirty="0" smtClean="0">
+              <a:rPr lang="en-US" altLang="zh-CN" dirty="0">
                 <a:solidFill>
                   <a:schemeClr val="bg1"/>
                 </a:solidFill>
@@ -10131,14 +10316,14 @@
               <a:t> </a:t>
             </a:r>
             <a:r>
-              <a:rPr lang="en-US" altLang="zh-CN" dirty="0" err="1" smtClean="0">
+              <a:rPr lang="en-US" altLang="zh-CN" dirty="0" err="1">
                 <a:solidFill>
                   <a:schemeClr val="bg1"/>
                 </a:solidFill>
               </a:rPr>
               <a:t>postgres</a:t>
             </a:r>
-            <a:endParaRPr lang="en-US" altLang="zh-CN" dirty="0" smtClean="0">
+            <a:endParaRPr lang="en-US" altLang="zh-CN" dirty="0">
               <a:solidFill>
                 <a:schemeClr val="bg1"/>
               </a:solidFill>
@@ -10146,7 +10331,7 @@
           </a:p>
           <a:p>
             <a:r>
-              <a:rPr lang="en-US" altLang="zh-CN" dirty="0" err="1" smtClean="0">
+              <a:rPr lang="en-US" altLang="zh-CN" dirty="0" err="1">
                 <a:solidFill>
                   <a:schemeClr val="bg1"/>
                 </a:solidFill>
@@ -10154,7 +10339,7 @@
               <a:t>psql</a:t>
             </a:r>
             <a:r>
-              <a:rPr lang="en-US" altLang="zh-CN" dirty="0" smtClean="0">
+              <a:rPr lang="en-US" altLang="zh-CN" dirty="0">
                 <a:solidFill>
                   <a:schemeClr val="bg1"/>
                 </a:solidFill>
@@ -10162,14 +10347,14 @@
               <a:t> –U </a:t>
             </a:r>
             <a:r>
-              <a:rPr lang="en-US" altLang="zh-CN" dirty="0" err="1" smtClean="0">
+              <a:rPr lang="en-US" altLang="zh-CN" dirty="0" err="1">
                 <a:solidFill>
                   <a:schemeClr val="bg1"/>
                 </a:solidFill>
               </a:rPr>
               <a:t>postgres</a:t>
             </a:r>
-            <a:endParaRPr lang="en-US" altLang="zh-CN" dirty="0" smtClean="0">
+            <a:endParaRPr lang="en-US" altLang="zh-CN" dirty="0">
               <a:solidFill>
                 <a:schemeClr val="bg1"/>
               </a:solidFill>
@@ -10177,23 +10362,15 @@
           </a:p>
           <a:p>
             <a:r>
-              <a:rPr lang="en-US" altLang="zh-CN" dirty="0" smtClean="0">
+              <a:rPr lang="en-US" altLang="zh-CN" dirty="0">
                 <a:solidFill>
                   <a:schemeClr val="bg1"/>
                 </a:solidFill>
               </a:rPr>
-              <a:t>ALTER </a:t>
-            </a:r>
-            <a:r>
-              <a:rPr lang="en-US" altLang="zh-CN" dirty="0" smtClean="0">
-                <a:solidFill>
-                  <a:schemeClr val="bg1"/>
-                </a:solidFill>
-              </a:rPr>
-              <a:t>USER </a:t>
-            </a:r>
-            <a:r>
-              <a:rPr lang="en-US" altLang="zh-CN" dirty="0" err="1" smtClean="0">
+              <a:t>ALTER USER </a:t>
+            </a:r>
+            <a:r>
+              <a:rPr lang="en-US" altLang="zh-CN" dirty="0" err="1">
                 <a:solidFill>
                   <a:schemeClr val="bg1"/>
                 </a:solidFill>
@@ -10201,7 +10378,7 @@
               <a:t>postgres</a:t>
             </a:r>
             <a:r>
-              <a:rPr lang="en-US" altLang="zh-CN" dirty="0" smtClean="0">
+              <a:rPr lang="en-US" altLang="zh-CN" dirty="0">
                 <a:solidFill>
                   <a:schemeClr val="bg1"/>
                 </a:solidFill>
@@ -10211,14 +10388,14 @@
           </a:p>
           <a:p>
             <a:r>
-              <a:rPr lang="en-US" altLang="zh-CN" dirty="0" smtClean="0">
+              <a:rPr lang="en-US" altLang="zh-CN" dirty="0">
                 <a:solidFill>
                   <a:schemeClr val="bg1"/>
                 </a:solidFill>
               </a:rPr>
               <a:t>\q</a:t>
             </a:r>
-            <a:endParaRPr lang="zh-CN" altLang="en-US" dirty="0" smtClean="0">
+            <a:endParaRPr lang="zh-CN" altLang="en-US" dirty="0">
               <a:solidFill>
                 <a:schemeClr val="bg1"/>
               </a:solidFill>
@@ -10237,7 +10414,7 @@
         </p:nvSpPr>
         <p:spPr>
           <a:xfrm>
-            <a:off x="7465326" y="3889613"/>
+            <a:off x="7334501" y="3605715"/>
             <a:ext cx="2150589" cy="1754326"/>
           </a:xfrm>
           <a:prstGeom prst="rect">
@@ -10252,7 +10429,7 @@
           <a:lstStyle/>
           <a:p>
             <a:r>
-              <a:rPr lang="en-US" altLang="zh-CN" dirty="0" err="1" smtClean="0">
+              <a:rPr lang="en-US" altLang="zh-CN" dirty="0" err="1">
                 <a:solidFill>
                   <a:schemeClr val="bg1"/>
                 </a:solidFill>
@@ -10260,7 +10437,7 @@
               <a:t>su</a:t>
             </a:r>
             <a:r>
-              <a:rPr lang="en-US" altLang="zh-CN" dirty="0" smtClean="0">
+              <a:rPr lang="en-US" altLang="zh-CN" dirty="0">
                 <a:solidFill>
                   <a:schemeClr val="bg1"/>
                 </a:solidFill>
@@ -10268,14 +10445,14 @@
               <a:t> </a:t>
             </a:r>
             <a:r>
-              <a:rPr lang="en-US" altLang="zh-CN" dirty="0" err="1" smtClean="0">
+              <a:rPr lang="en-US" altLang="zh-CN" dirty="0" err="1">
                 <a:solidFill>
                   <a:schemeClr val="bg1"/>
                 </a:solidFill>
               </a:rPr>
               <a:t>postgres</a:t>
             </a:r>
-            <a:endParaRPr lang="en-US" altLang="zh-CN" dirty="0" smtClean="0">
+            <a:endParaRPr lang="en-US" altLang="zh-CN" dirty="0">
               <a:solidFill>
                 <a:schemeClr val="bg1"/>
               </a:solidFill>
@@ -10283,14 +10460,14 @@
           </a:p>
           <a:p>
             <a:r>
-              <a:rPr lang="en-US" altLang="zh-CN" dirty="0" err="1" smtClean="0">
+              <a:rPr lang="en-US" altLang="zh-CN" dirty="0" err="1">
                 <a:solidFill>
                   <a:schemeClr val="bg1"/>
                 </a:solidFill>
               </a:rPr>
               <a:t>psql</a:t>
             </a:r>
-            <a:endParaRPr lang="en-US" altLang="zh-CN" dirty="0" smtClean="0">
+            <a:endParaRPr lang="en-US" altLang="zh-CN" dirty="0">
               <a:solidFill>
                 <a:schemeClr val="bg1"/>
               </a:solidFill>
@@ -10298,7 +10475,7 @@
           </a:p>
           <a:p>
             <a:r>
-              <a:rPr lang="en-US" altLang="zh-CN" dirty="0" smtClean="0">
+              <a:rPr lang="en-US" altLang="zh-CN" dirty="0">
                 <a:solidFill>
                   <a:schemeClr val="bg1"/>
                 </a:solidFill>
@@ -10306,14 +10483,14 @@
               <a:t>\password </a:t>
             </a:r>
             <a:r>
-              <a:rPr lang="en-US" altLang="zh-CN" dirty="0" err="1" smtClean="0">
+              <a:rPr lang="en-US" altLang="zh-CN" dirty="0" err="1">
                 <a:solidFill>
                   <a:schemeClr val="bg1"/>
                 </a:solidFill>
               </a:rPr>
               <a:t>postgres</a:t>
             </a:r>
-            <a:endParaRPr lang="en-US" altLang="zh-CN" dirty="0" smtClean="0">
+            <a:endParaRPr lang="en-US" altLang="zh-CN" dirty="0">
               <a:solidFill>
                 <a:schemeClr val="bg1"/>
               </a:solidFill>
@@ -10321,7 +10498,7 @@
           </a:p>
           <a:p>
             <a:r>
-              <a:rPr lang="en-US" altLang="zh-CN" dirty="0" smtClean="0">
+              <a:rPr lang="en-US" altLang="zh-CN" dirty="0">
                 <a:solidFill>
                   <a:schemeClr val="bg1"/>
                 </a:solidFill>
@@ -10331,7 +10508,7 @@
           </a:p>
           <a:p>
             <a:r>
-              <a:rPr lang="en-US" altLang="zh-CN" dirty="0" smtClean="0">
+              <a:rPr lang="en-US" altLang="zh-CN" dirty="0">
                 <a:solidFill>
                   <a:schemeClr val="bg1"/>
                 </a:solidFill>
@@ -10341,7 +10518,7 @@
           </a:p>
           <a:p>
             <a:r>
-              <a:rPr lang="en-US" altLang="zh-CN" dirty="0" smtClean="0">
+              <a:rPr lang="en-US" altLang="zh-CN" dirty="0">
                 <a:solidFill>
                   <a:schemeClr val="bg1"/>
                 </a:solidFill>
@@ -10356,23 +10533,91 @@
           </a:p>
         </p:txBody>
       </p:sp>
+      <p:sp>
+        <p:nvSpPr>
+          <p:cNvPr id="2" name="Rectangle: Rounded Corners 1">
+            <a:extLst>
+              <a:ext uri="{FF2B5EF4-FFF2-40B4-BE49-F238E27FC236}">
+                <a16:creationId xmlns:a16="http://schemas.microsoft.com/office/drawing/2014/main" id="{5BC856C8-50E1-4626-8FBD-53AE0F87451F}"/>
+              </a:ext>
+            </a:extLst>
+          </p:cNvPr>
+          <p:cNvSpPr/>
+          <p:nvPr/>
+        </p:nvSpPr>
+        <p:spPr>
+          <a:xfrm>
+            <a:off x="1343133" y="5597912"/>
+            <a:ext cx="4533560" cy="602166"/>
+          </a:xfrm>
+          <a:prstGeom prst="roundRect">
+            <a:avLst/>
+          </a:prstGeom>
+        </p:spPr>
+        <p:style>
+          <a:lnRef idx="2">
+            <a:schemeClr val="accent1">
+              <a:shade val="50000"/>
+            </a:schemeClr>
+          </a:lnRef>
+          <a:fillRef idx="1">
+            <a:schemeClr val="accent1"/>
+          </a:fillRef>
+          <a:effectRef idx="0">
+            <a:schemeClr val="accent1"/>
+          </a:effectRef>
+          <a:fontRef idx="minor">
+            <a:schemeClr val="lt1"/>
+          </a:fontRef>
+        </p:style>
+        <p:txBody>
+          <a:bodyPr rtlCol="0" anchor="ctr"/>
+          <a:lstStyle/>
+          <a:p>
+            <a:r>
+              <a:rPr lang="en-US" dirty="0" err="1"/>
+              <a:t>psql</a:t>
+            </a:r>
+            <a:r>
+              <a:rPr lang="en-US" dirty="0"/>
+              <a:t> –U </a:t>
+            </a:r>
+            <a:r>
+              <a:rPr lang="en-US" dirty="0" err="1"/>
+              <a:t>postgres</a:t>
+            </a:r>
+            <a:r>
+              <a:rPr lang="en-US" dirty="0"/>
+              <a:t> [</a:t>
+            </a:r>
+            <a:r>
+              <a:rPr lang="en-US" dirty="0" err="1"/>
+              <a:t>databasename</a:t>
+            </a:r>
+            <a:r>
+              <a:rPr lang="en-US" dirty="0"/>
+              <a:t>]</a:t>
+            </a:r>
+          </a:p>
+        </p:txBody>
+      </p:sp>
     </p:spTree>
     <p:extLst>
       <p:ext uri="{BB962C8B-B14F-4D97-AF65-F5344CB8AC3E}">
-        <p14:creationId xmlns:p14="http://schemas.microsoft.com/office/powerpoint/2010/main" xmlns="" val="264814506"/>
+        <p14:creationId xmlns:p14="http://schemas.microsoft.com/office/powerpoint/2010/main" val="264814506"/>
       </p:ext>
     </p:extLst>
   </p:cSld>
   <p:clrMapOvr>
     <a:masterClrMapping/>
   </p:clrMapOvr>
-  <mc:AlternateContent xmlns:mc="http://schemas.openxmlformats.org/markup-compatibility/2006">
-    <mc:Choice xmlns:p14="http://schemas.microsoft.com/office/powerpoint/2010/main" xmlns="" Requires="p14">
+  <mc:AlternateContent xmlns:mc="http://schemas.openxmlformats.org/markup-compatibility/2006" xmlns:p14="http://schemas.microsoft.com/office/powerpoint/2010/main">
+    <mc:Choice Requires="p14">
       <p:transition spd="slow" p14:dur="1500">
         <p:random/>
       </p:transition>
     </mc:Choice>
-    <mc:Fallback>
+    <mc:Fallback xmlns="">
       <p:transition spd="slow">
         <p:random/>
       </p:transition>
@@ -10639,6 +10884,12 @@
 <file path=ppt/slides/slide3.xml><?xml version="1.0" encoding="utf-8"?>
 <p:sld xmlns:a="http://schemas.openxmlformats.org/drawingml/2006/main" xmlns:r="http://schemas.openxmlformats.org/officeDocument/2006/relationships" xmlns:p="http://schemas.openxmlformats.org/presentationml/2006/main">
   <p:cSld>
+    <p:bg>
+      <p:bgPr>
+        <a:noFill/>
+        <a:effectLst/>
+      </p:bgPr>
+    </p:bg>
     <p:spTree>
       <p:nvGrpSpPr>
         <p:cNvPr id="1" name=""/>
@@ -10812,14 +11063,1117 @@
           <a:p>
             <a:pPr marL="0" lvl="1"/>
             <a:r>
-              <a:rPr lang="en-US" altLang="zh-CN" sz="2800" spc="300" dirty="0" smtClean="0">
+              <a:rPr lang="en-US" altLang="zh-CN" sz="2800" spc="300" dirty="0">
                 <a:solidFill>
                   <a:srgbClr val="0D4960"/>
                 </a:solidFill>
                 <a:latin typeface="方正尚酷简体" panose="03000509000000000000" pitchFamily="65" charset="-122"/>
                 <a:ea typeface="方正尚酷简体" panose="03000509000000000000" pitchFamily="65" charset="-122"/>
               </a:rPr>
-              <a:t>Configuration</a:t>
+              <a:t>DDL</a:t>
+            </a:r>
+            <a:endParaRPr lang="zh-CN" altLang="en-US" sz="2800" spc="300" dirty="0">
+              <a:solidFill>
+                <a:srgbClr val="0D4960"/>
+              </a:solidFill>
+              <a:latin typeface="方正尚酷简体" panose="03000509000000000000" pitchFamily="65" charset="-122"/>
+              <a:ea typeface="方正尚酷简体" panose="03000509000000000000" pitchFamily="65" charset="-122"/>
+            </a:endParaRPr>
+          </a:p>
+        </p:txBody>
+      </p:sp>
+      <p:cxnSp>
+        <p:nvCxnSpPr>
+          <p:cNvPr id="17" name="3"/>
+          <p:cNvCxnSpPr/>
+          <p:nvPr/>
+        </p:nvCxnSpPr>
+        <p:spPr>
+          <a:xfrm>
+            <a:off x="1418247" y="761569"/>
+            <a:ext cx="10174106" cy="0"/>
+          </a:xfrm>
+          <a:prstGeom prst="line">
+            <a:avLst/>
+          </a:prstGeom>
+          <a:ln>
+            <a:solidFill>
+              <a:schemeClr val="bg1">
+                <a:lumMod val="75000"/>
+              </a:schemeClr>
+            </a:solidFill>
+          </a:ln>
+        </p:spPr>
+        <p:style>
+          <a:lnRef idx="1">
+            <a:schemeClr val="accent1"/>
+          </a:lnRef>
+          <a:fillRef idx="0">
+            <a:schemeClr val="accent1"/>
+          </a:fillRef>
+          <a:effectRef idx="0">
+            <a:schemeClr val="accent1"/>
+          </a:effectRef>
+          <a:fontRef idx="minor">
+            <a:schemeClr val="tx1"/>
+          </a:fontRef>
+        </p:style>
+      </p:cxnSp>
+      <p:sp>
+        <p:nvSpPr>
+          <p:cNvPr id="3" name="Rectangle: Rounded Corners 2">
+            <a:extLst>
+              <a:ext uri="{FF2B5EF4-FFF2-40B4-BE49-F238E27FC236}">
+                <a16:creationId xmlns:a16="http://schemas.microsoft.com/office/drawing/2014/main" id="{AA3F4B5E-5C87-440D-AA86-C26A3B47548C}"/>
+              </a:ext>
+            </a:extLst>
+          </p:cNvPr>
+          <p:cNvSpPr/>
+          <p:nvPr/>
+        </p:nvSpPr>
+        <p:spPr>
+          <a:xfrm>
+            <a:off x="1011151" y="1226635"/>
+            <a:ext cx="2657600" cy="503906"/>
+          </a:xfrm>
+          <a:prstGeom prst="roundRect">
+            <a:avLst/>
+          </a:prstGeom>
+        </p:spPr>
+        <p:style>
+          <a:lnRef idx="2">
+            <a:schemeClr val="accent1">
+              <a:shade val="50000"/>
+            </a:schemeClr>
+          </a:lnRef>
+          <a:fillRef idx="1">
+            <a:schemeClr val="accent1"/>
+          </a:fillRef>
+          <a:effectRef idx="0">
+            <a:schemeClr val="accent1"/>
+          </a:effectRef>
+          <a:fontRef idx="minor">
+            <a:schemeClr val="lt1"/>
+          </a:fontRef>
+        </p:style>
+        <p:txBody>
+          <a:bodyPr rtlCol="0" anchor="ctr"/>
+          <a:lstStyle/>
+          <a:p>
+            <a:pPr algn="ctr"/>
+            <a:r>
+              <a:rPr lang="en-US" dirty="0"/>
+              <a:t>create database </a:t>
+            </a:r>
+            <a:r>
+              <a:rPr lang="en-US" dirty="0" err="1"/>
+              <a:t>mydb</a:t>
+            </a:r>
+            <a:r>
+              <a:rPr lang="en-US" dirty="0"/>
+              <a:t>;</a:t>
+            </a:r>
+          </a:p>
+        </p:txBody>
+      </p:sp>
+      <p:sp>
+        <p:nvSpPr>
+          <p:cNvPr id="4" name="Rectangle: Rounded Corners 3">
+            <a:extLst>
+              <a:ext uri="{FF2B5EF4-FFF2-40B4-BE49-F238E27FC236}">
+                <a16:creationId xmlns:a16="http://schemas.microsoft.com/office/drawing/2014/main" id="{2F1BD728-F6E1-4B0A-9397-5B17375BB594}"/>
+              </a:ext>
+            </a:extLst>
+          </p:cNvPr>
+          <p:cNvSpPr/>
+          <p:nvPr/>
+        </p:nvSpPr>
+        <p:spPr>
+          <a:xfrm>
+            <a:off x="7415559" y="1216115"/>
+            <a:ext cx="602166" cy="503827"/>
+          </a:xfrm>
+          <a:prstGeom prst="roundRect">
+            <a:avLst/>
+          </a:prstGeom>
+        </p:spPr>
+        <p:style>
+          <a:lnRef idx="2">
+            <a:schemeClr val="accent1">
+              <a:shade val="50000"/>
+            </a:schemeClr>
+          </a:lnRef>
+          <a:fillRef idx="1">
+            <a:schemeClr val="accent1"/>
+          </a:fillRef>
+          <a:effectRef idx="0">
+            <a:schemeClr val="accent1"/>
+          </a:effectRef>
+          <a:fontRef idx="minor">
+            <a:schemeClr val="lt1"/>
+          </a:fontRef>
+        </p:style>
+        <p:txBody>
+          <a:bodyPr rtlCol="0" anchor="ctr"/>
+          <a:lstStyle/>
+          <a:p>
+            <a:pPr algn="ctr"/>
+            <a:r>
+              <a:rPr lang="en-US" dirty="0"/>
+              <a:t>\l</a:t>
+            </a:r>
+          </a:p>
+        </p:txBody>
+      </p:sp>
+      <p:sp>
+        <p:nvSpPr>
+          <p:cNvPr id="5" name="Rectangle: Rounded Corners 4">
+            <a:extLst>
+              <a:ext uri="{FF2B5EF4-FFF2-40B4-BE49-F238E27FC236}">
+                <a16:creationId xmlns:a16="http://schemas.microsoft.com/office/drawing/2014/main" id="{6C1CA05F-635E-4BB4-BBF0-48E8B2CE7412}"/>
+              </a:ext>
+            </a:extLst>
+          </p:cNvPr>
+          <p:cNvSpPr/>
+          <p:nvPr/>
+        </p:nvSpPr>
+        <p:spPr>
+          <a:xfrm>
+            <a:off x="4270916" y="1226635"/>
+            <a:ext cx="2475568" cy="503879"/>
+          </a:xfrm>
+          <a:prstGeom prst="roundRect">
+            <a:avLst/>
+          </a:prstGeom>
+        </p:spPr>
+        <p:style>
+          <a:lnRef idx="2">
+            <a:schemeClr val="accent1">
+              <a:shade val="50000"/>
+            </a:schemeClr>
+          </a:lnRef>
+          <a:fillRef idx="1">
+            <a:schemeClr val="accent1"/>
+          </a:fillRef>
+          <a:effectRef idx="0">
+            <a:schemeClr val="accent1"/>
+          </a:effectRef>
+          <a:fontRef idx="minor">
+            <a:schemeClr val="lt1"/>
+          </a:fontRef>
+        </p:style>
+        <p:txBody>
+          <a:bodyPr rtlCol="0" anchor="ctr"/>
+          <a:lstStyle/>
+          <a:p>
+            <a:pPr algn="ctr"/>
+            <a:r>
+              <a:rPr lang="en-US" dirty="0"/>
+              <a:t>drop database </a:t>
+            </a:r>
+            <a:r>
+              <a:rPr lang="en-US" dirty="0" err="1"/>
+              <a:t>mydb</a:t>
+            </a:r>
+            <a:r>
+              <a:rPr lang="en-US" dirty="0"/>
+              <a:t>;</a:t>
+            </a:r>
+          </a:p>
+        </p:txBody>
+      </p:sp>
+      <p:sp>
+        <p:nvSpPr>
+          <p:cNvPr id="7" name="Rectangle: Rounded Corners 6">
+            <a:extLst>
+              <a:ext uri="{FF2B5EF4-FFF2-40B4-BE49-F238E27FC236}">
+                <a16:creationId xmlns:a16="http://schemas.microsoft.com/office/drawing/2014/main" id="{A0980532-932A-44BB-B282-741A49B03D30}"/>
+              </a:ext>
+            </a:extLst>
+          </p:cNvPr>
+          <p:cNvSpPr/>
+          <p:nvPr/>
+        </p:nvSpPr>
+        <p:spPr>
+          <a:xfrm>
+            <a:off x="1011150" y="2174488"/>
+            <a:ext cx="4018049" cy="1739590"/>
+          </a:xfrm>
+          <a:prstGeom prst="roundRect">
+            <a:avLst/>
+          </a:prstGeom>
+        </p:spPr>
+        <p:style>
+          <a:lnRef idx="2">
+            <a:schemeClr val="accent1">
+              <a:shade val="50000"/>
+            </a:schemeClr>
+          </a:lnRef>
+          <a:fillRef idx="1">
+            <a:schemeClr val="accent1"/>
+          </a:fillRef>
+          <a:effectRef idx="0">
+            <a:schemeClr val="accent1"/>
+          </a:effectRef>
+          <a:fontRef idx="minor">
+            <a:schemeClr val="lt1"/>
+          </a:fontRef>
+        </p:style>
+        <p:txBody>
+          <a:bodyPr rtlCol="0" anchor="ctr"/>
+          <a:lstStyle/>
+          <a:p>
+            <a:r>
+              <a:rPr lang="en-US" dirty="0"/>
+              <a:t>CREATE TABLE </a:t>
+            </a:r>
+            <a:r>
+              <a:rPr lang="en-US" dirty="0" err="1"/>
+              <a:t>public.mytb</a:t>
+            </a:r>
+            <a:r>
+              <a:rPr lang="en-US" dirty="0"/>
+              <a:t>(</a:t>
+            </a:r>
+          </a:p>
+          <a:p>
+            <a:r>
+              <a:rPr lang="en-US" dirty="0"/>
+              <a:t>id integer NOT NULL, </a:t>
+            </a:r>
+          </a:p>
+          <a:p>
+            <a:r>
+              <a:rPr lang="en-US" dirty="0"/>
+              <a:t>name character(100), </a:t>
+            </a:r>
+          </a:p>
+          <a:p>
+            <a:r>
+              <a:rPr lang="en-US" dirty="0"/>
+              <a:t>subjects character(1), </a:t>
+            </a:r>
+          </a:p>
+          <a:p>
+            <a:r>
+              <a:rPr lang="en-US" dirty="0"/>
+              <a:t>CONSTRAINT </a:t>
+            </a:r>
+            <a:r>
+              <a:rPr lang="en-US" dirty="0" err="1"/>
+              <a:t>mykey</a:t>
+            </a:r>
+            <a:r>
+              <a:rPr lang="en-US" dirty="0"/>
+              <a:t> PRIMARY KEY (id)</a:t>
+            </a:r>
+          </a:p>
+          <a:p>
+            <a:r>
+              <a:rPr lang="en-US" dirty="0"/>
+              <a:t>) ;</a:t>
+            </a:r>
+          </a:p>
+        </p:txBody>
+      </p:sp>
+      <p:sp>
+        <p:nvSpPr>
+          <p:cNvPr id="11" name="Rectangle: Rounded Corners 10">
+            <a:extLst>
+              <a:ext uri="{FF2B5EF4-FFF2-40B4-BE49-F238E27FC236}">
+                <a16:creationId xmlns:a16="http://schemas.microsoft.com/office/drawing/2014/main" id="{D38873D9-91B6-4449-878F-676755D69E97}"/>
+              </a:ext>
+            </a:extLst>
+          </p:cNvPr>
+          <p:cNvSpPr/>
+          <p:nvPr/>
+        </p:nvSpPr>
+        <p:spPr>
+          <a:xfrm>
+            <a:off x="5972985" y="2792343"/>
+            <a:ext cx="2352905" cy="503879"/>
+          </a:xfrm>
+          <a:prstGeom prst="roundRect">
+            <a:avLst/>
+          </a:prstGeom>
+        </p:spPr>
+        <p:style>
+          <a:lnRef idx="2">
+            <a:schemeClr val="accent1">
+              <a:shade val="50000"/>
+            </a:schemeClr>
+          </a:lnRef>
+          <a:fillRef idx="1">
+            <a:schemeClr val="accent1"/>
+          </a:fillRef>
+          <a:effectRef idx="0">
+            <a:schemeClr val="accent1"/>
+          </a:effectRef>
+          <a:fontRef idx="minor">
+            <a:schemeClr val="lt1"/>
+          </a:fontRef>
+        </p:style>
+        <p:txBody>
+          <a:bodyPr rtlCol="0" anchor="ctr"/>
+          <a:lstStyle/>
+          <a:p>
+            <a:pPr algn="ctr"/>
+            <a:r>
+              <a:rPr lang="en-US" dirty="0"/>
+              <a:t>drop table </a:t>
+            </a:r>
+            <a:r>
+              <a:rPr lang="en-US" dirty="0" err="1"/>
+              <a:t>mytb</a:t>
+            </a:r>
+            <a:r>
+              <a:rPr lang="en-US" dirty="0"/>
+              <a:t>;</a:t>
+            </a:r>
+          </a:p>
+        </p:txBody>
+      </p:sp>
+      <p:sp>
+        <p:nvSpPr>
+          <p:cNvPr id="12" name="Rectangle: Rounded Corners 11">
+            <a:extLst>
+              <a:ext uri="{FF2B5EF4-FFF2-40B4-BE49-F238E27FC236}">
+                <a16:creationId xmlns:a16="http://schemas.microsoft.com/office/drawing/2014/main" id="{0B624FC1-E732-4715-AEB4-601EC8198708}"/>
+              </a:ext>
+            </a:extLst>
+          </p:cNvPr>
+          <p:cNvSpPr/>
+          <p:nvPr/>
+        </p:nvSpPr>
+        <p:spPr>
+          <a:xfrm>
+            <a:off x="9269676" y="2792343"/>
+            <a:ext cx="732261" cy="503879"/>
+          </a:xfrm>
+          <a:prstGeom prst="roundRect">
+            <a:avLst/>
+          </a:prstGeom>
+        </p:spPr>
+        <p:style>
+          <a:lnRef idx="2">
+            <a:schemeClr val="accent1">
+              <a:shade val="50000"/>
+            </a:schemeClr>
+          </a:lnRef>
+          <a:fillRef idx="1">
+            <a:schemeClr val="accent1"/>
+          </a:fillRef>
+          <a:effectRef idx="0">
+            <a:schemeClr val="accent1"/>
+          </a:effectRef>
+          <a:fontRef idx="minor">
+            <a:schemeClr val="lt1"/>
+          </a:fontRef>
+        </p:style>
+        <p:txBody>
+          <a:bodyPr rtlCol="0" anchor="ctr"/>
+          <a:lstStyle/>
+          <a:p>
+            <a:pPr algn="ctr"/>
+            <a:r>
+              <a:rPr lang="en-US" dirty="0"/>
+              <a:t>\d</a:t>
+            </a:r>
+          </a:p>
+        </p:txBody>
+      </p:sp>
+      <p:sp>
+        <p:nvSpPr>
+          <p:cNvPr id="18" name="Rectangle: Rounded Corners 17">
+            <a:extLst>
+              <a:ext uri="{FF2B5EF4-FFF2-40B4-BE49-F238E27FC236}">
+                <a16:creationId xmlns:a16="http://schemas.microsoft.com/office/drawing/2014/main" id="{35C6B336-C0CB-44D7-A5AA-76DA4DF1AB78}"/>
+              </a:ext>
+            </a:extLst>
+          </p:cNvPr>
+          <p:cNvSpPr/>
+          <p:nvPr/>
+        </p:nvSpPr>
+        <p:spPr>
+          <a:xfrm>
+            <a:off x="8686801" y="1226681"/>
+            <a:ext cx="1650378" cy="503833"/>
+          </a:xfrm>
+          <a:prstGeom prst="roundRect">
+            <a:avLst/>
+          </a:prstGeom>
+        </p:spPr>
+        <p:style>
+          <a:lnRef idx="2">
+            <a:schemeClr val="accent1">
+              <a:shade val="50000"/>
+            </a:schemeClr>
+          </a:lnRef>
+          <a:fillRef idx="1">
+            <a:schemeClr val="accent1"/>
+          </a:fillRef>
+          <a:effectRef idx="0">
+            <a:schemeClr val="accent1"/>
+          </a:effectRef>
+          <a:fontRef idx="minor">
+            <a:schemeClr val="lt1"/>
+          </a:fontRef>
+        </p:style>
+        <p:txBody>
+          <a:bodyPr rtlCol="0" anchor="ctr"/>
+          <a:lstStyle/>
+          <a:p>
+            <a:pPr algn="ctr"/>
+            <a:r>
+              <a:rPr lang="en-US" dirty="0"/>
+              <a:t>\c </a:t>
+            </a:r>
+            <a:r>
+              <a:rPr lang="en-US" dirty="0" err="1"/>
+              <a:t>mydb</a:t>
+            </a:r>
+            <a:endParaRPr lang="en-US" dirty="0"/>
+          </a:p>
+        </p:txBody>
+      </p:sp>
+      <p:sp>
+        <p:nvSpPr>
+          <p:cNvPr id="19" name="Rectangle: Rounded Corners 18">
+            <a:extLst>
+              <a:ext uri="{FF2B5EF4-FFF2-40B4-BE49-F238E27FC236}">
+                <a16:creationId xmlns:a16="http://schemas.microsoft.com/office/drawing/2014/main" id="{5786C4C3-2669-4AC3-AC61-54A9C71C9C58}"/>
+              </a:ext>
+            </a:extLst>
+          </p:cNvPr>
+          <p:cNvSpPr/>
+          <p:nvPr/>
+        </p:nvSpPr>
+        <p:spPr>
+          <a:xfrm>
+            <a:off x="992524" y="4391452"/>
+            <a:ext cx="3467964" cy="503906"/>
+          </a:xfrm>
+          <a:prstGeom prst="roundRect">
+            <a:avLst/>
+          </a:prstGeom>
+        </p:spPr>
+        <p:style>
+          <a:lnRef idx="2">
+            <a:schemeClr val="accent1">
+              <a:shade val="50000"/>
+            </a:schemeClr>
+          </a:lnRef>
+          <a:fillRef idx="1">
+            <a:schemeClr val="accent1"/>
+          </a:fillRef>
+          <a:effectRef idx="0">
+            <a:schemeClr val="accent1"/>
+          </a:effectRef>
+          <a:fontRef idx="minor">
+            <a:schemeClr val="lt1"/>
+          </a:fontRef>
+        </p:style>
+        <p:txBody>
+          <a:bodyPr rtlCol="0" anchor="ctr"/>
+          <a:lstStyle/>
+          <a:p>
+            <a:pPr algn="ctr"/>
+            <a:r>
+              <a:rPr lang="en-US" dirty="0"/>
+              <a:t>CREATE SCHEMA </a:t>
+            </a:r>
+            <a:r>
+              <a:rPr lang="en-US" dirty="0" err="1"/>
+              <a:t>my_schema</a:t>
+            </a:r>
+            <a:r>
+              <a:rPr lang="en-US" dirty="0"/>
+              <a:t>;</a:t>
+            </a:r>
+          </a:p>
+        </p:txBody>
+      </p:sp>
+      <p:sp>
+        <p:nvSpPr>
+          <p:cNvPr id="20" name="Rectangle: Rounded Corners 19">
+            <a:extLst>
+              <a:ext uri="{FF2B5EF4-FFF2-40B4-BE49-F238E27FC236}">
+                <a16:creationId xmlns:a16="http://schemas.microsoft.com/office/drawing/2014/main" id="{D1298D32-7DE1-4FA0-AEEB-84940AE60282}"/>
+              </a:ext>
+            </a:extLst>
+          </p:cNvPr>
+          <p:cNvSpPr/>
+          <p:nvPr/>
+        </p:nvSpPr>
+        <p:spPr>
+          <a:xfrm>
+            <a:off x="9318416" y="4391479"/>
+            <a:ext cx="732261" cy="503879"/>
+          </a:xfrm>
+          <a:prstGeom prst="roundRect">
+            <a:avLst/>
+          </a:prstGeom>
+        </p:spPr>
+        <p:style>
+          <a:lnRef idx="2">
+            <a:schemeClr val="accent1">
+              <a:shade val="50000"/>
+            </a:schemeClr>
+          </a:lnRef>
+          <a:fillRef idx="1">
+            <a:schemeClr val="accent1"/>
+          </a:fillRef>
+          <a:effectRef idx="0">
+            <a:schemeClr val="accent1"/>
+          </a:effectRef>
+          <a:fontRef idx="minor">
+            <a:schemeClr val="lt1"/>
+          </a:fontRef>
+        </p:style>
+        <p:txBody>
+          <a:bodyPr rtlCol="0" anchor="ctr"/>
+          <a:lstStyle/>
+          <a:p>
+            <a:pPr algn="ctr"/>
+            <a:r>
+              <a:rPr lang="en-US" dirty="0"/>
+              <a:t>\</a:t>
+            </a:r>
+            <a:r>
+              <a:rPr lang="en-US" dirty="0" err="1"/>
+              <a:t>dn</a:t>
+            </a:r>
+            <a:endParaRPr lang="en-US" dirty="0"/>
+          </a:p>
+        </p:txBody>
+      </p:sp>
+      <p:sp>
+        <p:nvSpPr>
+          <p:cNvPr id="21" name="Rectangle: Rounded Corners 20">
+            <a:extLst>
+              <a:ext uri="{FF2B5EF4-FFF2-40B4-BE49-F238E27FC236}">
+                <a16:creationId xmlns:a16="http://schemas.microsoft.com/office/drawing/2014/main" id="{AA4AC455-A7AD-4ABB-989C-F66024B584D8}"/>
+              </a:ext>
+            </a:extLst>
+          </p:cNvPr>
+          <p:cNvSpPr/>
+          <p:nvPr/>
+        </p:nvSpPr>
+        <p:spPr>
+          <a:xfrm>
+            <a:off x="5453014" y="4391479"/>
+            <a:ext cx="2872876" cy="503879"/>
+          </a:xfrm>
+          <a:prstGeom prst="roundRect">
+            <a:avLst/>
+          </a:prstGeom>
+        </p:spPr>
+        <p:style>
+          <a:lnRef idx="2">
+            <a:schemeClr val="accent1">
+              <a:shade val="50000"/>
+            </a:schemeClr>
+          </a:lnRef>
+          <a:fillRef idx="1">
+            <a:schemeClr val="accent1"/>
+          </a:fillRef>
+          <a:effectRef idx="0">
+            <a:schemeClr val="accent1"/>
+          </a:effectRef>
+          <a:fontRef idx="minor">
+            <a:schemeClr val="lt1"/>
+          </a:fontRef>
+        </p:style>
+        <p:txBody>
+          <a:bodyPr rtlCol="0" anchor="ctr"/>
+          <a:lstStyle/>
+          <a:p>
+            <a:pPr algn="ctr"/>
+            <a:r>
+              <a:rPr lang="en-US" dirty="0"/>
+              <a:t>drop schema </a:t>
+            </a:r>
+            <a:r>
+              <a:rPr lang="en-US" dirty="0" err="1"/>
+              <a:t>my_schema</a:t>
+            </a:r>
+            <a:r>
+              <a:rPr lang="en-US" dirty="0"/>
+              <a:t>;</a:t>
+            </a:r>
+          </a:p>
+        </p:txBody>
+      </p:sp>
+    </p:spTree>
+    <p:extLst>
+      <p:ext uri="{BB962C8B-B14F-4D97-AF65-F5344CB8AC3E}">
+        <p14:creationId xmlns:p14="http://schemas.microsoft.com/office/powerpoint/2010/main" val="264814506"/>
+      </p:ext>
+    </p:extLst>
+  </p:cSld>
+  <p:clrMapOvr>
+    <a:masterClrMapping/>
+  </p:clrMapOvr>
+  <mc:AlternateContent xmlns:mc="http://schemas.openxmlformats.org/markup-compatibility/2006" xmlns:p14="http://schemas.microsoft.com/office/powerpoint/2010/main">
+    <mc:Choice Requires="p14">
+      <p:transition spd="slow" p14:dur="1500">
+        <p:random/>
+      </p:transition>
+    </mc:Choice>
+    <mc:Fallback xmlns="">
+      <p:transition spd="slow">
+        <p:random/>
+      </p:transition>
+    </mc:Fallback>
+  </mc:AlternateContent>
+  <p:timing>
+    <p:tnLst>
+      <p:par>
+        <p:cTn id="1" dur="indefinite" restart="never" nodeType="tmRoot">
+          <p:childTnLst>
+            <p:seq concurrent="1" nextAc="seek">
+              <p:cTn id="2" dur="indefinite" nodeType="mainSeq">
+                <p:childTnLst>
+                  <p:par>
+                    <p:cTn id="3" fill="hold">
+                      <p:stCondLst>
+                        <p:cond delay="indefinite"/>
+                        <p:cond evt="onBegin" delay="0">
+                          <p:tn val="2"/>
+                        </p:cond>
+                      </p:stCondLst>
+                      <p:childTnLst>
+                        <p:par>
+                          <p:cTn id="4" fill="hold">
+                            <p:stCondLst>
+                              <p:cond delay="0"/>
+                            </p:stCondLst>
+                            <p:childTnLst>
+                              <p:par>
+                                <p:cTn id="5" presetID="2" presetClass="entr" presetSubtype="8" fill="hold" nodeType="afterEffect">
+                                  <p:stCondLst>
+                                    <p:cond delay="0"/>
+                                  </p:stCondLst>
+                                  <p:childTnLst>
+                                    <p:set>
+                                      <p:cBhvr>
+                                        <p:cTn id="6" dur="1" fill="hold">
+                                          <p:stCondLst>
+                                            <p:cond delay="0"/>
+                                          </p:stCondLst>
+                                        </p:cTn>
+                                        <p:tgtEl>
+                                          <p:spTgt spid="2"/>
+                                        </p:tgtEl>
+                                        <p:attrNameLst>
+                                          <p:attrName>style.visibility</p:attrName>
+                                        </p:attrNameLst>
+                                      </p:cBhvr>
+                                      <p:to>
+                                        <p:strVal val="visible"/>
+                                      </p:to>
+                                    </p:set>
+                                    <p:anim calcmode="lin" valueType="num">
+                                      <p:cBhvr additive="base">
+                                        <p:cTn id="7" dur="750" fill="hold"/>
+                                        <p:tgtEl>
+                                          <p:spTgt spid="2"/>
+                                        </p:tgtEl>
+                                        <p:attrNameLst>
+                                          <p:attrName>ppt_x</p:attrName>
+                                        </p:attrNameLst>
+                                      </p:cBhvr>
+                                      <p:tavLst>
+                                        <p:tav tm="0">
+                                          <p:val>
+                                            <p:strVal val="0-#ppt_w/2"/>
+                                          </p:val>
+                                        </p:tav>
+                                        <p:tav tm="100000">
+                                          <p:val>
+                                            <p:strVal val="#ppt_x"/>
+                                          </p:val>
+                                        </p:tav>
+                                      </p:tavLst>
+                                    </p:anim>
+                                    <p:anim calcmode="lin" valueType="num">
+                                      <p:cBhvr additive="base">
+                                        <p:cTn id="8" dur="750" fill="hold"/>
+                                        <p:tgtEl>
+                                          <p:spTgt spid="2"/>
+                                        </p:tgtEl>
+                                        <p:attrNameLst>
+                                          <p:attrName>ppt_y</p:attrName>
+                                        </p:attrNameLst>
+                                      </p:cBhvr>
+                                      <p:tavLst>
+                                        <p:tav tm="0">
+                                          <p:val>
+                                            <p:strVal val="#ppt_y"/>
+                                          </p:val>
+                                        </p:tav>
+                                        <p:tav tm="100000">
+                                          <p:val>
+                                            <p:strVal val="#ppt_y"/>
+                                          </p:val>
+                                        </p:tav>
+                                      </p:tavLst>
+                                    </p:anim>
+                                  </p:childTnLst>
+                                </p:cTn>
+                              </p:par>
+                            </p:childTnLst>
+                          </p:cTn>
+                        </p:par>
+                        <p:par>
+                          <p:cTn id="9" fill="hold">
+                            <p:stCondLst>
+                              <p:cond delay="750"/>
+                            </p:stCondLst>
+                            <p:childTnLst>
+                              <p:par>
+                                <p:cTn id="10" presetID="53" presetClass="entr" presetSubtype="16" fill="hold" grpId="0" nodeType="afterEffect">
+                                  <p:stCondLst>
+                                    <p:cond delay="0"/>
+                                  </p:stCondLst>
+                                  <p:iterate type="lt">
+                                    <p:tmPct val="10000"/>
+                                  </p:iterate>
+                                  <p:childTnLst>
+                                    <p:set>
+                                      <p:cBhvr>
+                                        <p:cTn id="11" dur="1" fill="hold">
+                                          <p:stCondLst>
+                                            <p:cond delay="0"/>
+                                          </p:stCondLst>
+                                        </p:cTn>
+                                        <p:tgtEl>
+                                          <p:spTgt spid="16"/>
+                                        </p:tgtEl>
+                                        <p:attrNameLst>
+                                          <p:attrName>style.visibility</p:attrName>
+                                        </p:attrNameLst>
+                                      </p:cBhvr>
+                                      <p:to>
+                                        <p:strVal val="visible"/>
+                                      </p:to>
+                                    </p:set>
+                                    <p:anim calcmode="lin" valueType="num">
+                                      <p:cBhvr>
+                                        <p:cTn id="12" dur="500" fill="hold"/>
+                                        <p:tgtEl>
+                                          <p:spTgt spid="16"/>
+                                        </p:tgtEl>
+                                        <p:attrNameLst>
+                                          <p:attrName>ppt_w</p:attrName>
+                                        </p:attrNameLst>
+                                      </p:cBhvr>
+                                      <p:tavLst>
+                                        <p:tav tm="0">
+                                          <p:val>
+                                            <p:fltVal val="0"/>
+                                          </p:val>
+                                        </p:tav>
+                                        <p:tav tm="100000">
+                                          <p:val>
+                                            <p:strVal val="#ppt_w"/>
+                                          </p:val>
+                                        </p:tav>
+                                      </p:tavLst>
+                                    </p:anim>
+                                    <p:anim calcmode="lin" valueType="num">
+                                      <p:cBhvr>
+                                        <p:cTn id="13" dur="500" fill="hold"/>
+                                        <p:tgtEl>
+                                          <p:spTgt spid="16"/>
+                                        </p:tgtEl>
+                                        <p:attrNameLst>
+                                          <p:attrName>ppt_h</p:attrName>
+                                        </p:attrNameLst>
+                                      </p:cBhvr>
+                                      <p:tavLst>
+                                        <p:tav tm="0">
+                                          <p:val>
+                                            <p:fltVal val="0"/>
+                                          </p:val>
+                                        </p:tav>
+                                        <p:tav tm="100000">
+                                          <p:val>
+                                            <p:strVal val="#ppt_h"/>
+                                          </p:val>
+                                        </p:tav>
+                                      </p:tavLst>
+                                    </p:anim>
+                                    <p:animEffect transition="in" filter="fade">
+                                      <p:cBhvr>
+                                        <p:cTn id="14" dur="500"/>
+                                        <p:tgtEl>
+                                          <p:spTgt spid="16"/>
+                                        </p:tgtEl>
+                                      </p:cBhvr>
+                                    </p:animEffect>
+                                  </p:childTnLst>
+                                </p:cTn>
+                              </p:par>
+                              <p:par>
+                                <p:cTn id="15" presetID="22" presetClass="entr" presetSubtype="2" fill="hold" nodeType="withEffect">
+                                  <p:stCondLst>
+                                    <p:cond delay="250"/>
+                                  </p:stCondLst>
+                                  <p:childTnLst>
+                                    <p:set>
+                                      <p:cBhvr>
+                                        <p:cTn id="16" dur="1" fill="hold">
+                                          <p:stCondLst>
+                                            <p:cond delay="0"/>
+                                          </p:stCondLst>
+                                        </p:cTn>
+                                        <p:tgtEl>
+                                          <p:spTgt spid="17"/>
+                                        </p:tgtEl>
+                                        <p:attrNameLst>
+                                          <p:attrName>style.visibility</p:attrName>
+                                        </p:attrNameLst>
+                                      </p:cBhvr>
+                                      <p:to>
+                                        <p:strVal val="visible"/>
+                                      </p:to>
+                                    </p:set>
+                                    <p:animEffect transition="in" filter="wipe(right)">
+                                      <p:cBhvr>
+                                        <p:cTn id="17" dur="750"/>
+                                        <p:tgtEl>
+                                          <p:spTgt spid="17"/>
+                                        </p:tgtEl>
+                                      </p:cBhvr>
+                                    </p:animEffect>
+                                  </p:childTnLst>
+                                </p:cTn>
+                              </p:par>
+                            </p:childTnLst>
+                          </p:cTn>
+                        </p:par>
+                      </p:childTnLst>
+                    </p:cTn>
+                  </p:par>
+                </p:childTnLst>
+              </p:cTn>
+              <p:prevCondLst>
+                <p:cond evt="onPrev" delay="0">
+                  <p:tgtEl>
+                    <p:sldTgt/>
+                  </p:tgtEl>
+                </p:cond>
+              </p:prevCondLst>
+              <p:nextCondLst>
+                <p:cond evt="onNext" delay="0">
+                  <p:tgtEl>
+                    <p:sldTgt/>
+                  </p:tgtEl>
+                </p:cond>
+              </p:nextCondLst>
+            </p:seq>
+          </p:childTnLst>
+        </p:cTn>
+      </p:par>
+    </p:tnLst>
+    <p:bldLst>
+      <p:bldP spid="16" grpId="0"/>
+    </p:bldLst>
+  </p:timing>
+</p:sld>
+</file>
+
+<file path=ppt/slides/slide4.xml><?xml version="1.0" encoding="utf-8"?>
+<p:sld xmlns:a="http://schemas.openxmlformats.org/drawingml/2006/main" xmlns:r="http://schemas.openxmlformats.org/officeDocument/2006/relationships" xmlns:p="http://schemas.openxmlformats.org/presentationml/2006/main">
+  <p:cSld>
+    <p:bg>
+      <p:bgPr>
+        <a:noFill/>
+        <a:effectLst/>
+      </p:bgPr>
+    </p:bg>
+    <p:spTree>
+      <p:nvGrpSpPr>
+        <p:cNvPr id="1" name=""/>
+        <p:cNvGrpSpPr/>
+        <p:nvPr/>
+      </p:nvGrpSpPr>
+      <p:grpSpPr>
+        <a:xfrm>
+          <a:off x="0" y="0"/>
+          <a:ext cx="0" cy="0"/>
+          <a:chOff x="0" y="0"/>
+          <a:chExt cx="0" cy="0"/>
+        </a:xfrm>
+      </p:grpSpPr>
+      <p:grpSp>
+        <p:nvGrpSpPr>
+          <p:cNvPr id="2" name="1"/>
+          <p:cNvGrpSpPr/>
+          <p:nvPr/>
+        </p:nvGrpSpPr>
+        <p:grpSpPr>
+          <a:xfrm>
+            <a:off x="583060" y="342545"/>
+            <a:ext cx="637243" cy="227778"/>
+            <a:chOff x="264939" y="188640"/>
+            <a:chExt cx="604358" cy="216024"/>
+          </a:xfrm>
+          <a:solidFill>
+            <a:srgbClr val="0D4960"/>
+          </a:solidFill>
+        </p:grpSpPr>
+        <p:sp>
+          <p:nvSpPr>
+            <p:cNvPr id="13" name="燕尾形 12"/>
+            <p:cNvSpPr/>
+            <p:nvPr/>
+          </p:nvSpPr>
+          <p:spPr>
+            <a:xfrm>
+              <a:off x="264939" y="188640"/>
+              <a:ext cx="216024" cy="216024"/>
+            </a:xfrm>
+            <a:prstGeom prst="chevron">
+              <a:avLst/>
+            </a:prstGeom>
+            <a:grpFill/>
+            <a:ln>
+              <a:noFill/>
+            </a:ln>
+            <a:effectLst>
+              <a:outerShdw blurRad="63500" algn="ctr" rotWithShape="0">
+                <a:prstClr val="black">
+                  <a:alpha val="40000"/>
+                </a:prstClr>
+              </a:outerShdw>
+            </a:effectLst>
+          </p:spPr>
+          <p:txBody>
+            <a:bodyPr lIns="0" tIns="0" rIns="0" bIns="0" anchor="ctr"/>
+            <a:lstStyle/>
+            <a:p>
+              <a:endParaRPr lang="zh-CN" altLang="en-US" sz="900">
+                <a:solidFill>
+                  <a:srgbClr val="0070C0"/>
+                </a:solidFill>
+                <a:cs typeface="+mn-ea"/>
+              </a:endParaRPr>
+            </a:p>
+          </p:txBody>
+        </p:sp>
+        <p:sp>
+          <p:nvSpPr>
+            <p:cNvPr id="14" name="燕尾形 13"/>
+            <p:cNvSpPr/>
+            <p:nvPr/>
+          </p:nvSpPr>
+          <p:spPr>
+            <a:xfrm>
+              <a:off x="454914" y="188640"/>
+              <a:ext cx="216024" cy="216024"/>
+            </a:xfrm>
+            <a:prstGeom prst="chevron">
+              <a:avLst/>
+            </a:prstGeom>
+            <a:grpFill/>
+            <a:ln>
+              <a:noFill/>
+            </a:ln>
+            <a:effectLst>
+              <a:outerShdw blurRad="63500" algn="ctr" rotWithShape="0">
+                <a:prstClr val="black">
+                  <a:alpha val="40000"/>
+                </a:prstClr>
+              </a:outerShdw>
+            </a:effectLst>
+          </p:spPr>
+          <p:txBody>
+            <a:bodyPr lIns="0" tIns="0" rIns="0" bIns="0" anchor="ctr"/>
+            <a:lstStyle/>
+            <a:p>
+              <a:endParaRPr lang="zh-CN" altLang="en-US" sz="900">
+                <a:solidFill>
+                  <a:srgbClr val="0070C0"/>
+                </a:solidFill>
+                <a:cs typeface="+mn-ea"/>
+              </a:endParaRPr>
+            </a:p>
+          </p:txBody>
+        </p:sp>
+        <p:sp>
+          <p:nvSpPr>
+            <p:cNvPr id="15" name="燕尾形 14"/>
+            <p:cNvSpPr/>
+            <p:nvPr/>
+          </p:nvSpPr>
+          <p:spPr>
+            <a:xfrm>
+              <a:off x="653273" y="188640"/>
+              <a:ext cx="216024" cy="216024"/>
+            </a:xfrm>
+            <a:prstGeom prst="chevron">
+              <a:avLst/>
+            </a:prstGeom>
+            <a:grpFill/>
+            <a:ln>
+              <a:noFill/>
+            </a:ln>
+            <a:effectLst>
+              <a:outerShdw blurRad="63500" algn="ctr" rotWithShape="0">
+                <a:prstClr val="black">
+                  <a:alpha val="40000"/>
+                </a:prstClr>
+              </a:outerShdw>
+            </a:effectLst>
+          </p:spPr>
+          <p:txBody>
+            <a:bodyPr lIns="0" tIns="0" rIns="0" bIns="0" anchor="ctr"/>
+            <a:lstStyle/>
+            <a:p>
+              <a:endParaRPr lang="zh-CN" altLang="en-US" sz="900">
+                <a:solidFill>
+                  <a:srgbClr val="0070C0"/>
+                </a:solidFill>
+                <a:cs typeface="+mn-ea"/>
+              </a:endParaRPr>
+            </a:p>
+          </p:txBody>
+        </p:sp>
+      </p:grpSp>
+      <p:sp>
+        <p:nvSpPr>
+          <p:cNvPr id="16" name="2"/>
+          <p:cNvSpPr txBox="1"/>
+          <p:nvPr/>
+        </p:nvSpPr>
+        <p:spPr>
+          <a:xfrm>
+            <a:off x="1418247" y="211364"/>
+            <a:ext cx="5306644" cy="503905"/>
+          </a:xfrm>
+          <a:prstGeom prst="rect">
+            <a:avLst/>
+          </a:prstGeom>
+          <a:noFill/>
+        </p:spPr>
+        <p:txBody>
+          <a:bodyPr wrap="square" lIns="72312" tIns="36156" rIns="72312" bIns="36156" rtlCol="0">
+            <a:spAutoFit/>
+          </a:bodyPr>
+          <a:lstStyle/>
+          <a:p>
+            <a:pPr marL="0" lvl="1"/>
+            <a:r>
+              <a:rPr lang="en-US" altLang="zh-CN" sz="2800" spc="300" dirty="0">
+                <a:solidFill>
+                  <a:srgbClr val="0D4960"/>
+                </a:solidFill>
+                <a:latin typeface="方正尚酷简体" panose="03000509000000000000" pitchFamily="65" charset="-122"/>
+                <a:ea typeface="方正尚酷简体" panose="03000509000000000000" pitchFamily="65" charset="-122"/>
+              </a:rPr>
+              <a:t>DML</a:t>
             </a:r>
             <a:endParaRPr lang="zh-CN" altLang="en-US" sz="2800" spc="300" dirty="0">
               <a:solidFill>
@@ -10871,20 +12225,538 @@
     </p:spTree>
     <p:extLst>
       <p:ext uri="{BB962C8B-B14F-4D97-AF65-F5344CB8AC3E}">
-        <p14:creationId xmlns:p14="http://schemas.microsoft.com/office/powerpoint/2010/main" xmlns="" val="264814506"/>
+        <p14:creationId xmlns:p14="http://schemas.microsoft.com/office/powerpoint/2010/main" val="1788366190"/>
       </p:ext>
     </p:extLst>
   </p:cSld>
   <p:clrMapOvr>
     <a:masterClrMapping/>
   </p:clrMapOvr>
-  <mc:AlternateContent xmlns:mc="http://schemas.openxmlformats.org/markup-compatibility/2006">
-    <mc:Choice xmlns:p14="http://schemas.microsoft.com/office/powerpoint/2010/main" xmlns="" Requires="p14">
+  <mc:AlternateContent xmlns:mc="http://schemas.openxmlformats.org/markup-compatibility/2006" xmlns:p14="http://schemas.microsoft.com/office/powerpoint/2010/main">
+    <mc:Choice Requires="p14">
       <p:transition spd="slow" p14:dur="1500">
         <p:random/>
       </p:transition>
     </mc:Choice>
-    <mc:Fallback>
+    <mc:Fallback xmlns="">
+      <p:transition spd="slow">
+        <p:random/>
+      </p:transition>
+    </mc:Fallback>
+  </mc:AlternateContent>
+  <p:timing>
+    <p:tnLst>
+      <p:par>
+        <p:cTn id="1" dur="indefinite" restart="never" nodeType="tmRoot">
+          <p:childTnLst>
+            <p:seq concurrent="1" nextAc="seek">
+              <p:cTn id="2" dur="indefinite" nodeType="mainSeq">
+                <p:childTnLst>
+                  <p:par>
+                    <p:cTn id="3" fill="hold">
+                      <p:stCondLst>
+                        <p:cond delay="indefinite"/>
+                        <p:cond evt="onBegin" delay="0">
+                          <p:tn val="2"/>
+                        </p:cond>
+                      </p:stCondLst>
+                      <p:childTnLst>
+                        <p:par>
+                          <p:cTn id="4" fill="hold">
+                            <p:stCondLst>
+                              <p:cond delay="0"/>
+                            </p:stCondLst>
+                            <p:childTnLst>
+                              <p:par>
+                                <p:cTn id="5" presetID="2" presetClass="entr" presetSubtype="8" fill="hold" nodeType="afterEffect">
+                                  <p:stCondLst>
+                                    <p:cond delay="0"/>
+                                  </p:stCondLst>
+                                  <p:childTnLst>
+                                    <p:set>
+                                      <p:cBhvr>
+                                        <p:cTn id="6" dur="1" fill="hold">
+                                          <p:stCondLst>
+                                            <p:cond delay="0"/>
+                                          </p:stCondLst>
+                                        </p:cTn>
+                                        <p:tgtEl>
+                                          <p:spTgt spid="2"/>
+                                        </p:tgtEl>
+                                        <p:attrNameLst>
+                                          <p:attrName>style.visibility</p:attrName>
+                                        </p:attrNameLst>
+                                      </p:cBhvr>
+                                      <p:to>
+                                        <p:strVal val="visible"/>
+                                      </p:to>
+                                    </p:set>
+                                    <p:anim calcmode="lin" valueType="num">
+                                      <p:cBhvr additive="base">
+                                        <p:cTn id="7" dur="750" fill="hold"/>
+                                        <p:tgtEl>
+                                          <p:spTgt spid="2"/>
+                                        </p:tgtEl>
+                                        <p:attrNameLst>
+                                          <p:attrName>ppt_x</p:attrName>
+                                        </p:attrNameLst>
+                                      </p:cBhvr>
+                                      <p:tavLst>
+                                        <p:tav tm="0">
+                                          <p:val>
+                                            <p:strVal val="0-#ppt_w/2"/>
+                                          </p:val>
+                                        </p:tav>
+                                        <p:tav tm="100000">
+                                          <p:val>
+                                            <p:strVal val="#ppt_x"/>
+                                          </p:val>
+                                        </p:tav>
+                                      </p:tavLst>
+                                    </p:anim>
+                                    <p:anim calcmode="lin" valueType="num">
+                                      <p:cBhvr additive="base">
+                                        <p:cTn id="8" dur="750" fill="hold"/>
+                                        <p:tgtEl>
+                                          <p:spTgt spid="2"/>
+                                        </p:tgtEl>
+                                        <p:attrNameLst>
+                                          <p:attrName>ppt_y</p:attrName>
+                                        </p:attrNameLst>
+                                      </p:cBhvr>
+                                      <p:tavLst>
+                                        <p:tav tm="0">
+                                          <p:val>
+                                            <p:strVal val="#ppt_y"/>
+                                          </p:val>
+                                        </p:tav>
+                                        <p:tav tm="100000">
+                                          <p:val>
+                                            <p:strVal val="#ppt_y"/>
+                                          </p:val>
+                                        </p:tav>
+                                      </p:tavLst>
+                                    </p:anim>
+                                  </p:childTnLst>
+                                </p:cTn>
+                              </p:par>
+                            </p:childTnLst>
+                          </p:cTn>
+                        </p:par>
+                        <p:par>
+                          <p:cTn id="9" fill="hold">
+                            <p:stCondLst>
+                              <p:cond delay="750"/>
+                            </p:stCondLst>
+                            <p:childTnLst>
+                              <p:par>
+                                <p:cTn id="10" presetID="53" presetClass="entr" presetSubtype="16" fill="hold" grpId="0" nodeType="afterEffect">
+                                  <p:stCondLst>
+                                    <p:cond delay="0"/>
+                                  </p:stCondLst>
+                                  <p:iterate type="lt">
+                                    <p:tmPct val="10000"/>
+                                  </p:iterate>
+                                  <p:childTnLst>
+                                    <p:set>
+                                      <p:cBhvr>
+                                        <p:cTn id="11" dur="1" fill="hold">
+                                          <p:stCondLst>
+                                            <p:cond delay="0"/>
+                                          </p:stCondLst>
+                                        </p:cTn>
+                                        <p:tgtEl>
+                                          <p:spTgt spid="16"/>
+                                        </p:tgtEl>
+                                        <p:attrNameLst>
+                                          <p:attrName>style.visibility</p:attrName>
+                                        </p:attrNameLst>
+                                      </p:cBhvr>
+                                      <p:to>
+                                        <p:strVal val="visible"/>
+                                      </p:to>
+                                    </p:set>
+                                    <p:anim calcmode="lin" valueType="num">
+                                      <p:cBhvr>
+                                        <p:cTn id="12" dur="500" fill="hold"/>
+                                        <p:tgtEl>
+                                          <p:spTgt spid="16"/>
+                                        </p:tgtEl>
+                                        <p:attrNameLst>
+                                          <p:attrName>ppt_w</p:attrName>
+                                        </p:attrNameLst>
+                                      </p:cBhvr>
+                                      <p:tavLst>
+                                        <p:tav tm="0">
+                                          <p:val>
+                                            <p:fltVal val="0"/>
+                                          </p:val>
+                                        </p:tav>
+                                        <p:tav tm="100000">
+                                          <p:val>
+                                            <p:strVal val="#ppt_w"/>
+                                          </p:val>
+                                        </p:tav>
+                                      </p:tavLst>
+                                    </p:anim>
+                                    <p:anim calcmode="lin" valueType="num">
+                                      <p:cBhvr>
+                                        <p:cTn id="13" dur="500" fill="hold"/>
+                                        <p:tgtEl>
+                                          <p:spTgt spid="16"/>
+                                        </p:tgtEl>
+                                        <p:attrNameLst>
+                                          <p:attrName>ppt_h</p:attrName>
+                                        </p:attrNameLst>
+                                      </p:cBhvr>
+                                      <p:tavLst>
+                                        <p:tav tm="0">
+                                          <p:val>
+                                            <p:fltVal val="0"/>
+                                          </p:val>
+                                        </p:tav>
+                                        <p:tav tm="100000">
+                                          <p:val>
+                                            <p:strVal val="#ppt_h"/>
+                                          </p:val>
+                                        </p:tav>
+                                      </p:tavLst>
+                                    </p:anim>
+                                    <p:animEffect transition="in" filter="fade">
+                                      <p:cBhvr>
+                                        <p:cTn id="14" dur="500"/>
+                                        <p:tgtEl>
+                                          <p:spTgt spid="16"/>
+                                        </p:tgtEl>
+                                      </p:cBhvr>
+                                    </p:animEffect>
+                                  </p:childTnLst>
+                                </p:cTn>
+                              </p:par>
+                              <p:par>
+                                <p:cTn id="15" presetID="22" presetClass="entr" presetSubtype="2" fill="hold" nodeType="withEffect">
+                                  <p:stCondLst>
+                                    <p:cond delay="250"/>
+                                  </p:stCondLst>
+                                  <p:childTnLst>
+                                    <p:set>
+                                      <p:cBhvr>
+                                        <p:cTn id="16" dur="1" fill="hold">
+                                          <p:stCondLst>
+                                            <p:cond delay="0"/>
+                                          </p:stCondLst>
+                                        </p:cTn>
+                                        <p:tgtEl>
+                                          <p:spTgt spid="17"/>
+                                        </p:tgtEl>
+                                        <p:attrNameLst>
+                                          <p:attrName>style.visibility</p:attrName>
+                                        </p:attrNameLst>
+                                      </p:cBhvr>
+                                      <p:to>
+                                        <p:strVal val="visible"/>
+                                      </p:to>
+                                    </p:set>
+                                    <p:animEffect transition="in" filter="wipe(right)">
+                                      <p:cBhvr>
+                                        <p:cTn id="17" dur="750"/>
+                                        <p:tgtEl>
+                                          <p:spTgt spid="17"/>
+                                        </p:tgtEl>
+                                      </p:cBhvr>
+                                    </p:animEffect>
+                                  </p:childTnLst>
+                                </p:cTn>
+                              </p:par>
+                            </p:childTnLst>
+                          </p:cTn>
+                        </p:par>
+                      </p:childTnLst>
+                    </p:cTn>
+                  </p:par>
+                </p:childTnLst>
+              </p:cTn>
+              <p:prevCondLst>
+                <p:cond evt="onPrev" delay="0">
+                  <p:tgtEl>
+                    <p:sldTgt/>
+                  </p:tgtEl>
+                </p:cond>
+              </p:prevCondLst>
+              <p:nextCondLst>
+                <p:cond evt="onNext" delay="0">
+                  <p:tgtEl>
+                    <p:sldTgt/>
+                  </p:tgtEl>
+                </p:cond>
+              </p:nextCondLst>
+            </p:seq>
+          </p:childTnLst>
+        </p:cTn>
+      </p:par>
+    </p:tnLst>
+    <p:bldLst>
+      <p:bldP spid="16" grpId="0"/>
+    </p:bldLst>
+  </p:timing>
+</p:sld>
+</file>
+
+<file path=ppt/slides/slide5.xml><?xml version="1.0" encoding="utf-8"?>
+<p:sld xmlns:a="http://schemas.openxmlformats.org/drawingml/2006/main" xmlns:r="http://schemas.openxmlformats.org/officeDocument/2006/relationships" xmlns:p="http://schemas.openxmlformats.org/presentationml/2006/main">
+  <p:cSld>
+    <p:bg>
+      <p:bgPr>
+        <a:noFill/>
+        <a:effectLst/>
+      </p:bgPr>
+    </p:bg>
+    <p:spTree>
+      <p:nvGrpSpPr>
+        <p:cNvPr id="1" name=""/>
+        <p:cNvGrpSpPr/>
+        <p:nvPr/>
+      </p:nvGrpSpPr>
+      <p:grpSpPr>
+        <a:xfrm>
+          <a:off x="0" y="0"/>
+          <a:ext cx="0" cy="0"/>
+          <a:chOff x="0" y="0"/>
+          <a:chExt cx="0" cy="0"/>
+        </a:xfrm>
+      </p:grpSpPr>
+      <p:grpSp>
+        <p:nvGrpSpPr>
+          <p:cNvPr id="2" name="1"/>
+          <p:cNvGrpSpPr/>
+          <p:nvPr/>
+        </p:nvGrpSpPr>
+        <p:grpSpPr>
+          <a:xfrm>
+            <a:off x="583060" y="342545"/>
+            <a:ext cx="637243" cy="227778"/>
+            <a:chOff x="264939" y="188640"/>
+            <a:chExt cx="604358" cy="216024"/>
+          </a:xfrm>
+          <a:solidFill>
+            <a:srgbClr val="0D4960"/>
+          </a:solidFill>
+        </p:grpSpPr>
+        <p:sp>
+          <p:nvSpPr>
+            <p:cNvPr id="13" name="燕尾形 12"/>
+            <p:cNvSpPr/>
+            <p:nvPr/>
+          </p:nvSpPr>
+          <p:spPr>
+            <a:xfrm>
+              <a:off x="264939" y="188640"/>
+              <a:ext cx="216024" cy="216024"/>
+            </a:xfrm>
+            <a:prstGeom prst="chevron">
+              <a:avLst/>
+            </a:prstGeom>
+            <a:grpFill/>
+            <a:ln>
+              <a:noFill/>
+            </a:ln>
+            <a:effectLst>
+              <a:outerShdw blurRad="63500" algn="ctr" rotWithShape="0">
+                <a:prstClr val="black">
+                  <a:alpha val="40000"/>
+                </a:prstClr>
+              </a:outerShdw>
+            </a:effectLst>
+          </p:spPr>
+          <p:txBody>
+            <a:bodyPr lIns="0" tIns="0" rIns="0" bIns="0" anchor="ctr"/>
+            <a:lstStyle/>
+            <a:p>
+              <a:endParaRPr lang="zh-CN" altLang="en-US" sz="900">
+                <a:solidFill>
+                  <a:srgbClr val="0070C0"/>
+                </a:solidFill>
+                <a:cs typeface="+mn-ea"/>
+              </a:endParaRPr>
+            </a:p>
+          </p:txBody>
+        </p:sp>
+        <p:sp>
+          <p:nvSpPr>
+            <p:cNvPr id="14" name="燕尾形 13"/>
+            <p:cNvSpPr/>
+            <p:nvPr/>
+          </p:nvSpPr>
+          <p:spPr>
+            <a:xfrm>
+              <a:off x="454914" y="188640"/>
+              <a:ext cx="216024" cy="216024"/>
+            </a:xfrm>
+            <a:prstGeom prst="chevron">
+              <a:avLst/>
+            </a:prstGeom>
+            <a:grpFill/>
+            <a:ln>
+              <a:noFill/>
+            </a:ln>
+            <a:effectLst>
+              <a:outerShdw blurRad="63500" algn="ctr" rotWithShape="0">
+                <a:prstClr val="black">
+                  <a:alpha val="40000"/>
+                </a:prstClr>
+              </a:outerShdw>
+            </a:effectLst>
+          </p:spPr>
+          <p:txBody>
+            <a:bodyPr lIns="0" tIns="0" rIns="0" bIns="0" anchor="ctr"/>
+            <a:lstStyle/>
+            <a:p>
+              <a:endParaRPr lang="zh-CN" altLang="en-US" sz="900">
+                <a:solidFill>
+                  <a:srgbClr val="0070C0"/>
+                </a:solidFill>
+                <a:cs typeface="+mn-ea"/>
+              </a:endParaRPr>
+            </a:p>
+          </p:txBody>
+        </p:sp>
+        <p:sp>
+          <p:nvSpPr>
+            <p:cNvPr id="15" name="燕尾形 14"/>
+            <p:cNvSpPr/>
+            <p:nvPr/>
+          </p:nvSpPr>
+          <p:spPr>
+            <a:xfrm>
+              <a:off x="653273" y="188640"/>
+              <a:ext cx="216024" cy="216024"/>
+            </a:xfrm>
+            <a:prstGeom prst="chevron">
+              <a:avLst/>
+            </a:prstGeom>
+            <a:grpFill/>
+            <a:ln>
+              <a:noFill/>
+            </a:ln>
+            <a:effectLst>
+              <a:outerShdw blurRad="63500" algn="ctr" rotWithShape="0">
+                <a:prstClr val="black">
+                  <a:alpha val="40000"/>
+                </a:prstClr>
+              </a:outerShdw>
+            </a:effectLst>
+          </p:spPr>
+          <p:txBody>
+            <a:bodyPr lIns="0" tIns="0" rIns="0" bIns="0" anchor="ctr"/>
+            <a:lstStyle/>
+            <a:p>
+              <a:endParaRPr lang="zh-CN" altLang="en-US" sz="900">
+                <a:solidFill>
+                  <a:srgbClr val="0070C0"/>
+                </a:solidFill>
+                <a:cs typeface="+mn-ea"/>
+              </a:endParaRPr>
+            </a:p>
+          </p:txBody>
+        </p:sp>
+      </p:grpSp>
+      <p:sp>
+        <p:nvSpPr>
+          <p:cNvPr id="16" name="2"/>
+          <p:cNvSpPr txBox="1"/>
+          <p:nvPr/>
+        </p:nvSpPr>
+        <p:spPr>
+          <a:xfrm>
+            <a:off x="1418247" y="211364"/>
+            <a:ext cx="5306644" cy="503905"/>
+          </a:xfrm>
+          <a:prstGeom prst="rect">
+            <a:avLst/>
+          </a:prstGeom>
+          <a:noFill/>
+        </p:spPr>
+        <p:txBody>
+          <a:bodyPr wrap="square" lIns="72312" tIns="36156" rIns="72312" bIns="36156" rtlCol="0">
+            <a:spAutoFit/>
+          </a:bodyPr>
+          <a:lstStyle/>
+          <a:p>
+            <a:pPr marL="0" lvl="1"/>
+            <a:r>
+              <a:rPr lang="en-US" altLang="zh-CN" sz="2800" spc="300" dirty="0">
+                <a:solidFill>
+                  <a:srgbClr val="0D4960"/>
+                </a:solidFill>
+                <a:latin typeface="方正尚酷简体" panose="03000509000000000000" pitchFamily="65" charset="-122"/>
+                <a:ea typeface="方正尚酷简体" panose="03000509000000000000" pitchFamily="65" charset="-122"/>
+              </a:rPr>
+              <a:t>DML</a:t>
+            </a:r>
+            <a:endParaRPr lang="zh-CN" altLang="en-US" sz="2800" spc="300" dirty="0">
+              <a:solidFill>
+                <a:srgbClr val="0D4960"/>
+              </a:solidFill>
+              <a:latin typeface="方正尚酷简体" panose="03000509000000000000" pitchFamily="65" charset="-122"/>
+              <a:ea typeface="方正尚酷简体" panose="03000509000000000000" pitchFamily="65" charset="-122"/>
+            </a:endParaRPr>
+          </a:p>
+        </p:txBody>
+      </p:sp>
+      <p:cxnSp>
+        <p:nvCxnSpPr>
+          <p:cNvPr id="17" name="3"/>
+          <p:cNvCxnSpPr/>
+          <p:nvPr/>
+        </p:nvCxnSpPr>
+        <p:spPr>
+          <a:xfrm>
+            <a:off x="1418247" y="761569"/>
+            <a:ext cx="10174106" cy="0"/>
+          </a:xfrm>
+          <a:prstGeom prst="line">
+            <a:avLst/>
+          </a:prstGeom>
+          <a:ln>
+            <a:solidFill>
+              <a:schemeClr val="bg1">
+                <a:lumMod val="75000"/>
+              </a:schemeClr>
+            </a:solidFill>
+          </a:ln>
+        </p:spPr>
+        <p:style>
+          <a:lnRef idx="1">
+            <a:schemeClr val="accent1"/>
+          </a:lnRef>
+          <a:fillRef idx="0">
+            <a:schemeClr val="accent1"/>
+          </a:fillRef>
+          <a:effectRef idx="0">
+            <a:schemeClr val="accent1"/>
+          </a:effectRef>
+          <a:fontRef idx="minor">
+            <a:schemeClr val="tx1"/>
+          </a:fontRef>
+        </p:style>
+      </p:cxnSp>
+    </p:spTree>
+    <p:extLst>
+      <p:ext uri="{BB962C8B-B14F-4D97-AF65-F5344CB8AC3E}">
+        <p14:creationId xmlns:p14="http://schemas.microsoft.com/office/powerpoint/2010/main" val="2611776950"/>
+      </p:ext>
+    </p:extLst>
+  </p:cSld>
+  <p:clrMapOvr>
+    <a:masterClrMapping/>
+  </p:clrMapOvr>
+  <mc:AlternateContent xmlns:mc="http://schemas.openxmlformats.org/markup-compatibility/2006" xmlns:p14="http://schemas.microsoft.com/office/powerpoint/2010/main">
+    <mc:Choice Requires="p14">
+      <p:transition spd="slow" p14:dur="1500">
+        <p:random/>
+      </p:transition>
+    </mc:Choice>
+    <mc:Fallback xmlns="">
       <p:transition spd="slow">
         <p:random/>
       </p:transition>
@@ -11409,7 +13281,7 @@
   <a:extraClrSchemeLst/>
   <a:extLst>
     <a:ext uri="{05A4C25C-085E-4340-85A3-A5531E510DB2}">
-      <thm15:themeFamily xmlns:thm15="http://schemas.microsoft.com/office/thememl/2012/main" xmlns="" name="Office Theme" id="{62F939B6-93AF-4DB8-9C6B-D6C7DFDC589F}" vid="{4A3C46E8-61CC-4603-A589-7422A47A8E4A}"/>
+      <thm15:themeFamily xmlns:thm15="http://schemas.microsoft.com/office/thememl/2012/main" name="Office Theme" id="{62F939B6-93AF-4DB8-9C6B-D6C7DFDC589F}" vid="{4A3C46E8-61CC-4603-A589-7422A47A8E4A}"/>
     </a:ext>
   </a:extLst>
 </a:theme>
@@ -11670,7 +13542,7 @@
   <a:extraClrSchemeLst/>
   <a:extLst>
     <a:ext uri="{05A4C25C-085E-4340-85A3-A5531E510DB2}">
-      <thm15:themeFamily xmlns:thm15="http://schemas.microsoft.com/office/thememl/2012/main" xmlns="" name="Office Theme" id="{62F939B6-93AF-4DB8-9C6B-D6C7DFDC589F}" vid="{4A3C46E8-61CC-4603-A589-7422A47A8E4A}"/>
+      <thm15:themeFamily xmlns:thm15="http://schemas.microsoft.com/office/thememl/2012/main" name="Office Theme" id="{62F939B6-93AF-4DB8-9C6B-D6C7DFDC589F}" vid="{4A3C46E8-61CC-4603-A589-7422A47A8E4A}"/>
     </a:ext>
   </a:extLst>
 </a:theme>
